--- a/docs/assets/article/Microsoft-Planner-Intro/1200x900.pptx
+++ b/docs/assets/article/Microsoft-Planner-Intro/1200x900.pptx
@@ -2,18 +2,18 @@
 <file path=ppt/presentation.xml><?xml version="1.0" encoding="utf-8"?>
 <p:presentation xmlns:a="http://schemas.openxmlformats.org/drawingml/2006/main" xmlns:r="http://schemas.openxmlformats.org/officeDocument/2006/relationships" xmlns:p="http://schemas.openxmlformats.org/presentationml/2006/main" saveSubsetFonts="1">
   <p:sldMasterIdLst>
-    <p:sldMasterId id="2147483648" r:id="rId1"/>
+    <p:sldMasterId id="2147483660" r:id="rId1"/>
   </p:sldMasterIdLst>
   <p:sldIdLst>
     <p:sldId id="256" r:id="rId2"/>
   </p:sldIdLst>
-  <p:sldSz cx="12192000" cy="6858000"/>
+  <p:sldSz cx="11430000" cy="8572500"/>
   <p:notesSz cx="6858000" cy="9144000"/>
   <p:defaultTextStyle>
     <a:defPPr>
       <a:defRPr lang="en-US"/>
     </a:defPPr>
-    <a:lvl1pPr marL="0" algn="l" defTabSz="914400" rtl="0" eaLnBrk="1" latinLnBrk="0" hangingPunct="1">
+    <a:lvl1pPr marL="0" algn="l" defTabSz="457200" rtl="0" eaLnBrk="1" latinLnBrk="0" hangingPunct="1">
       <a:defRPr sz="1800" kern="1200">
         <a:solidFill>
           <a:schemeClr val="tx1"/>
@@ -23,7 +23,7 @@
         <a:cs typeface="+mn-cs"/>
       </a:defRPr>
     </a:lvl1pPr>
-    <a:lvl2pPr marL="457200" algn="l" defTabSz="914400" rtl="0" eaLnBrk="1" latinLnBrk="0" hangingPunct="1">
+    <a:lvl2pPr marL="457200" algn="l" defTabSz="457200" rtl="0" eaLnBrk="1" latinLnBrk="0" hangingPunct="1">
       <a:defRPr sz="1800" kern="1200">
         <a:solidFill>
           <a:schemeClr val="tx1"/>
@@ -33,7 +33,7 @@
         <a:cs typeface="+mn-cs"/>
       </a:defRPr>
     </a:lvl2pPr>
-    <a:lvl3pPr marL="914400" algn="l" defTabSz="914400" rtl="0" eaLnBrk="1" latinLnBrk="0" hangingPunct="1">
+    <a:lvl3pPr marL="914400" algn="l" defTabSz="457200" rtl="0" eaLnBrk="1" latinLnBrk="0" hangingPunct="1">
       <a:defRPr sz="1800" kern="1200">
         <a:solidFill>
           <a:schemeClr val="tx1"/>
@@ -43,7 +43,7 @@
         <a:cs typeface="+mn-cs"/>
       </a:defRPr>
     </a:lvl3pPr>
-    <a:lvl4pPr marL="1371600" algn="l" defTabSz="914400" rtl="0" eaLnBrk="1" latinLnBrk="0" hangingPunct="1">
+    <a:lvl4pPr marL="1371600" algn="l" defTabSz="457200" rtl="0" eaLnBrk="1" latinLnBrk="0" hangingPunct="1">
       <a:defRPr sz="1800" kern="1200">
         <a:solidFill>
           <a:schemeClr val="tx1"/>
@@ -53,7 +53,7 @@
         <a:cs typeface="+mn-cs"/>
       </a:defRPr>
     </a:lvl4pPr>
-    <a:lvl5pPr marL="1828800" algn="l" defTabSz="914400" rtl="0" eaLnBrk="1" latinLnBrk="0" hangingPunct="1">
+    <a:lvl5pPr marL="1828800" algn="l" defTabSz="457200" rtl="0" eaLnBrk="1" latinLnBrk="0" hangingPunct="1">
       <a:defRPr sz="1800" kern="1200">
         <a:solidFill>
           <a:schemeClr val="tx1"/>
@@ -63,7 +63,7 @@
         <a:cs typeface="+mn-cs"/>
       </a:defRPr>
     </a:lvl5pPr>
-    <a:lvl6pPr marL="2286000" algn="l" defTabSz="914400" rtl="0" eaLnBrk="1" latinLnBrk="0" hangingPunct="1">
+    <a:lvl6pPr marL="2286000" algn="l" defTabSz="457200" rtl="0" eaLnBrk="1" latinLnBrk="0" hangingPunct="1">
       <a:defRPr sz="1800" kern="1200">
         <a:solidFill>
           <a:schemeClr val="tx1"/>
@@ -73,7 +73,7 @@
         <a:cs typeface="+mn-cs"/>
       </a:defRPr>
     </a:lvl6pPr>
-    <a:lvl7pPr marL="2743200" algn="l" defTabSz="914400" rtl="0" eaLnBrk="1" latinLnBrk="0" hangingPunct="1">
+    <a:lvl7pPr marL="2743200" algn="l" defTabSz="457200" rtl="0" eaLnBrk="1" latinLnBrk="0" hangingPunct="1">
       <a:defRPr sz="1800" kern="1200">
         <a:solidFill>
           <a:schemeClr val="tx1"/>
@@ -83,7 +83,7 @@
         <a:cs typeface="+mn-cs"/>
       </a:defRPr>
     </a:lvl7pPr>
-    <a:lvl8pPr marL="3200400" algn="l" defTabSz="914400" rtl="0" eaLnBrk="1" latinLnBrk="0" hangingPunct="1">
+    <a:lvl8pPr marL="3200400" algn="l" defTabSz="457200" rtl="0" eaLnBrk="1" latinLnBrk="0" hangingPunct="1">
       <a:defRPr sz="1800" kern="1200">
         <a:solidFill>
           <a:schemeClr val="tx1"/>
@@ -93,7 +93,7 @@
         <a:cs typeface="+mn-cs"/>
       </a:defRPr>
     </a:lvl8pPr>
-    <a:lvl9pPr marL="3657600" algn="l" defTabSz="914400" rtl="0" eaLnBrk="1" latinLnBrk="0" hangingPunct="1">
+    <a:lvl9pPr marL="3657600" algn="l" defTabSz="457200" rtl="0" eaLnBrk="1" latinLnBrk="0" hangingPunct="1">
       <a:defRPr sz="1800" kern="1200">
         <a:solidFill>
           <a:schemeClr val="tx1"/>
@@ -131,13 +131,7 @@
       </p:grpSpPr>
       <p:sp>
         <p:nvSpPr>
-          <p:cNvPr id="2" name="Title 1">
-            <a:extLst>
-              <a:ext uri="{FF2B5EF4-FFF2-40B4-BE49-F238E27FC236}">
-                <a16:creationId xmlns:a16="http://schemas.microsoft.com/office/drawing/2014/main" id="{D9B42745-A8CB-486B-9770-EA26F6D1944C}"/>
-              </a:ext>
-            </a:extLst>
-          </p:cNvPr>
+          <p:cNvPr id="2" name="Title 1"/>
           <p:cNvSpPr>
             <a:spLocks noGrp="1"/>
           </p:cNvSpPr>
@@ -147,15 +141,15 @@
         </p:nvSpPr>
         <p:spPr>
           <a:xfrm>
-            <a:off x="1524000" y="1122363"/>
-            <a:ext cx="9144000" cy="2387600"/>
+            <a:off x="857250" y="1402954"/>
+            <a:ext cx="9715500" cy="2984500"/>
           </a:xfrm>
         </p:spPr>
         <p:txBody>
           <a:bodyPr anchor="b"/>
           <a:lstStyle>
             <a:lvl1pPr algn="ctr">
-              <a:defRPr sz="6000"/>
+              <a:defRPr sz="7500"/>
             </a:lvl1pPr>
           </a:lstStyle>
           <a:p>
@@ -163,18 +157,13 @@
               <a:rPr lang="en-US"/>
               <a:t>Click to edit Master title style</a:t>
             </a:r>
-          </a:p>
-        </p:txBody>
-      </p:sp>
-      <p:sp>
-        <p:nvSpPr>
-          <p:cNvPr id="3" name="Subtitle 2">
-            <a:extLst>
-              <a:ext uri="{FF2B5EF4-FFF2-40B4-BE49-F238E27FC236}">
-                <a16:creationId xmlns:a16="http://schemas.microsoft.com/office/drawing/2014/main" id="{75194406-8F85-4550-9172-998B675ADA29}"/>
-              </a:ext>
-            </a:extLst>
-          </p:cNvPr>
+            <a:endParaRPr lang="en-US" dirty="0"/>
+          </a:p>
+        </p:txBody>
+      </p:sp>
+      <p:sp>
+        <p:nvSpPr>
+          <p:cNvPr id="3" name="Subtitle 2"/>
           <p:cNvSpPr>
             <a:spLocks noGrp="1"/>
           </p:cNvSpPr>
@@ -184,8 +173,8 @@
         </p:nvSpPr>
         <p:spPr>
           <a:xfrm>
-            <a:off x="1524000" y="3602038"/>
-            <a:ext cx="9144000" cy="1655762"/>
+            <a:off x="1428750" y="4502547"/>
+            <a:ext cx="8572500" cy="2069703"/>
           </a:xfrm>
         </p:spPr>
         <p:txBody>
@@ -193,39 +182,39 @@
           <a:lstStyle>
             <a:lvl1pPr marL="0" indent="0" algn="ctr">
               <a:buNone/>
-              <a:defRPr sz="2400"/>
+              <a:defRPr sz="3000"/>
             </a:lvl1pPr>
-            <a:lvl2pPr marL="457200" indent="0" algn="ctr">
+            <a:lvl2pPr marL="571500" indent="0" algn="ctr">
+              <a:buNone/>
+              <a:defRPr sz="2500"/>
+            </a:lvl2pPr>
+            <a:lvl3pPr marL="1143000" indent="0" algn="ctr">
+              <a:buNone/>
+              <a:defRPr sz="2250"/>
+            </a:lvl3pPr>
+            <a:lvl4pPr marL="1714500" indent="0" algn="ctr">
               <a:buNone/>
               <a:defRPr sz="2000"/>
-            </a:lvl2pPr>
-            <a:lvl3pPr marL="914400" indent="0" algn="ctr">
-              <a:buNone/>
-              <a:defRPr sz="1800"/>
-            </a:lvl3pPr>
-            <a:lvl4pPr marL="1371600" indent="0" algn="ctr">
-              <a:buNone/>
-              <a:defRPr sz="1600"/>
             </a:lvl4pPr>
-            <a:lvl5pPr marL="1828800" indent="0" algn="ctr">
-              <a:buNone/>
-              <a:defRPr sz="1600"/>
+            <a:lvl5pPr marL="2286000" indent="0" algn="ctr">
+              <a:buNone/>
+              <a:defRPr sz="2000"/>
             </a:lvl5pPr>
-            <a:lvl6pPr marL="2286000" indent="0" algn="ctr">
-              <a:buNone/>
-              <a:defRPr sz="1600"/>
+            <a:lvl6pPr marL="2857500" indent="0" algn="ctr">
+              <a:buNone/>
+              <a:defRPr sz="2000"/>
             </a:lvl6pPr>
-            <a:lvl7pPr marL="2743200" indent="0" algn="ctr">
-              <a:buNone/>
-              <a:defRPr sz="1600"/>
+            <a:lvl7pPr marL="3429000" indent="0" algn="ctr">
+              <a:buNone/>
+              <a:defRPr sz="2000"/>
             </a:lvl7pPr>
-            <a:lvl8pPr marL="3200400" indent="0" algn="ctr">
-              <a:buNone/>
-              <a:defRPr sz="1600"/>
+            <a:lvl8pPr marL="4000500" indent="0" algn="ctr">
+              <a:buNone/>
+              <a:defRPr sz="2000"/>
             </a:lvl8pPr>
-            <a:lvl9pPr marL="3657600" indent="0" algn="ctr">
-              <a:buNone/>
-              <a:defRPr sz="1600"/>
+            <a:lvl9pPr marL="4572000" indent="0" algn="ctr">
+              <a:buNone/>
+              <a:defRPr sz="2000"/>
             </a:lvl9pPr>
           </a:lstStyle>
           <a:p>
@@ -233,18 +222,13 @@
               <a:rPr lang="en-US"/>
               <a:t>Click to edit Master subtitle style</a:t>
             </a:r>
-          </a:p>
-        </p:txBody>
-      </p:sp>
-      <p:sp>
-        <p:nvSpPr>
-          <p:cNvPr id="4" name="Date Placeholder 3">
-            <a:extLst>
-              <a:ext uri="{FF2B5EF4-FFF2-40B4-BE49-F238E27FC236}">
-                <a16:creationId xmlns:a16="http://schemas.microsoft.com/office/drawing/2014/main" id="{420B7FC8-72C1-4C0D-8EFD-A04AEC1D1588}"/>
-              </a:ext>
-            </a:extLst>
-          </p:cNvPr>
+            <a:endParaRPr lang="en-US" dirty="0"/>
+          </a:p>
+        </p:txBody>
+      </p:sp>
+      <p:sp>
+        <p:nvSpPr>
+          <p:cNvPr id="4" name="Date Placeholder 3"/>
           <p:cNvSpPr>
             <a:spLocks noGrp="1"/>
           </p:cNvSpPr>
@@ -259,7 +243,7 @@
           <a:p>
             <a:fld id="{8D291730-3569-4027-A8D7-C91FF762B74B}" type="datetimeFigureOut">
               <a:rPr lang="en-US" smtClean="0"/>
-              <a:t>5/11/2018</a:t>
+              <a:t>6/5/2018</a:t>
             </a:fld>
             <a:endParaRPr lang="en-US"/>
           </a:p>
@@ -267,13 +251,7 @@
       </p:sp>
       <p:sp>
         <p:nvSpPr>
-          <p:cNvPr id="5" name="Footer Placeholder 4">
-            <a:extLst>
-              <a:ext uri="{FF2B5EF4-FFF2-40B4-BE49-F238E27FC236}">
-                <a16:creationId xmlns:a16="http://schemas.microsoft.com/office/drawing/2014/main" id="{A3A1629E-2E2E-417D-848E-BCC07F23D2C9}"/>
-              </a:ext>
-            </a:extLst>
-          </p:cNvPr>
+          <p:cNvPr id="5" name="Footer Placeholder 4"/>
           <p:cNvSpPr>
             <a:spLocks noGrp="1"/>
           </p:cNvSpPr>
@@ -292,13 +270,7 @@
       </p:sp>
       <p:sp>
         <p:nvSpPr>
-          <p:cNvPr id="6" name="Slide Number Placeholder 5">
-            <a:extLst>
-              <a:ext uri="{FF2B5EF4-FFF2-40B4-BE49-F238E27FC236}">
-                <a16:creationId xmlns:a16="http://schemas.microsoft.com/office/drawing/2014/main" id="{870F7D5E-EC8F-4BE3-AB48-676E3A4FAAA5}"/>
-              </a:ext>
-            </a:extLst>
-          </p:cNvPr>
+          <p:cNvPr id="6" name="Slide Number Placeholder 5"/>
           <p:cNvSpPr>
             <a:spLocks noGrp="1"/>
           </p:cNvSpPr>
@@ -322,7 +294,7 @@
     </p:spTree>
     <p:extLst>
       <p:ext uri="{BB962C8B-B14F-4D97-AF65-F5344CB8AC3E}">
-        <p14:creationId xmlns:p14="http://schemas.microsoft.com/office/powerpoint/2010/main" val="3897068569"/>
+        <p14:creationId xmlns:p14="http://schemas.microsoft.com/office/powerpoint/2010/main" val="310045285"/>
       </p:ext>
     </p:extLst>
   </p:cSld>
@@ -351,13 +323,7 @@
       </p:grpSpPr>
       <p:sp>
         <p:nvSpPr>
-          <p:cNvPr id="2" name="Title 1">
-            <a:extLst>
-              <a:ext uri="{FF2B5EF4-FFF2-40B4-BE49-F238E27FC236}">
-                <a16:creationId xmlns:a16="http://schemas.microsoft.com/office/drawing/2014/main" id="{135BC407-611F-4DF0-A854-F4F9512F4541}"/>
-              </a:ext>
-            </a:extLst>
-          </p:cNvPr>
+          <p:cNvPr id="2" name="Title 1"/>
           <p:cNvSpPr>
             <a:spLocks noGrp="1"/>
           </p:cNvSpPr>
@@ -374,18 +340,13 @@
               <a:rPr lang="en-US"/>
               <a:t>Click to edit Master title style</a:t>
             </a:r>
-          </a:p>
-        </p:txBody>
-      </p:sp>
-      <p:sp>
-        <p:nvSpPr>
-          <p:cNvPr id="3" name="Vertical Text Placeholder 2">
-            <a:extLst>
-              <a:ext uri="{FF2B5EF4-FFF2-40B4-BE49-F238E27FC236}">
-                <a16:creationId xmlns:a16="http://schemas.microsoft.com/office/drawing/2014/main" id="{0E65D968-303F-4614-BC27-4AE384ED6E5D}"/>
-              </a:ext>
-            </a:extLst>
-          </p:cNvPr>
+            <a:endParaRPr lang="en-US" dirty="0"/>
+          </a:p>
+        </p:txBody>
+      </p:sp>
+      <p:sp>
+        <p:nvSpPr>
+          <p:cNvPr id="3" name="Vertical Text Placeholder 2"/>
           <p:cNvSpPr>
             <a:spLocks noGrp="1"/>
           </p:cNvSpPr>
@@ -431,18 +392,13 @@
               <a:rPr lang="en-US"/>
               <a:t>Fifth level</a:t>
             </a:r>
-          </a:p>
-        </p:txBody>
-      </p:sp>
-      <p:sp>
-        <p:nvSpPr>
-          <p:cNvPr id="4" name="Date Placeholder 3">
-            <a:extLst>
-              <a:ext uri="{FF2B5EF4-FFF2-40B4-BE49-F238E27FC236}">
-                <a16:creationId xmlns:a16="http://schemas.microsoft.com/office/drawing/2014/main" id="{78CC4812-CE3D-43CD-84B2-370DF5947A01}"/>
-              </a:ext>
-            </a:extLst>
-          </p:cNvPr>
+            <a:endParaRPr lang="en-US" dirty="0"/>
+          </a:p>
+        </p:txBody>
+      </p:sp>
+      <p:sp>
+        <p:nvSpPr>
+          <p:cNvPr id="4" name="Date Placeholder 3"/>
           <p:cNvSpPr>
             <a:spLocks noGrp="1"/>
           </p:cNvSpPr>
@@ -457,7 +413,7 @@
           <a:p>
             <a:fld id="{8D291730-3569-4027-A8D7-C91FF762B74B}" type="datetimeFigureOut">
               <a:rPr lang="en-US" smtClean="0"/>
-              <a:t>5/11/2018</a:t>
+              <a:t>6/5/2018</a:t>
             </a:fld>
             <a:endParaRPr lang="en-US"/>
           </a:p>
@@ -465,13 +421,7 @@
       </p:sp>
       <p:sp>
         <p:nvSpPr>
-          <p:cNvPr id="5" name="Footer Placeholder 4">
-            <a:extLst>
-              <a:ext uri="{FF2B5EF4-FFF2-40B4-BE49-F238E27FC236}">
-                <a16:creationId xmlns:a16="http://schemas.microsoft.com/office/drawing/2014/main" id="{8FD53509-CCA1-4662-9B72-BF7AF54D617D}"/>
-              </a:ext>
-            </a:extLst>
-          </p:cNvPr>
+          <p:cNvPr id="5" name="Footer Placeholder 4"/>
           <p:cNvSpPr>
             <a:spLocks noGrp="1"/>
           </p:cNvSpPr>
@@ -490,13 +440,7 @@
       </p:sp>
       <p:sp>
         <p:nvSpPr>
-          <p:cNvPr id="6" name="Slide Number Placeholder 5">
-            <a:extLst>
-              <a:ext uri="{FF2B5EF4-FFF2-40B4-BE49-F238E27FC236}">
-                <a16:creationId xmlns:a16="http://schemas.microsoft.com/office/drawing/2014/main" id="{A4D24EC0-3DD6-42AC-A25C-6EC6B53FFE9B}"/>
-              </a:ext>
-            </a:extLst>
-          </p:cNvPr>
+          <p:cNvPr id="6" name="Slide Number Placeholder 5"/>
           <p:cNvSpPr>
             <a:spLocks noGrp="1"/>
           </p:cNvSpPr>
@@ -520,7 +464,7 @@
     </p:spTree>
     <p:extLst>
       <p:ext uri="{BB962C8B-B14F-4D97-AF65-F5344CB8AC3E}">
-        <p14:creationId xmlns:p14="http://schemas.microsoft.com/office/powerpoint/2010/main" val="4064916346"/>
+        <p14:creationId xmlns:p14="http://schemas.microsoft.com/office/powerpoint/2010/main" val="2031376212"/>
       </p:ext>
     </p:extLst>
   </p:cSld>
@@ -549,13 +493,7 @@
       </p:grpSpPr>
       <p:sp>
         <p:nvSpPr>
-          <p:cNvPr id="2" name="Vertical Title 1">
-            <a:extLst>
-              <a:ext uri="{FF2B5EF4-FFF2-40B4-BE49-F238E27FC236}">
-                <a16:creationId xmlns:a16="http://schemas.microsoft.com/office/drawing/2014/main" id="{1789A6FC-103D-4B68-AF52-A22E1CDA4A04}"/>
-              </a:ext>
-            </a:extLst>
-          </p:cNvPr>
+          <p:cNvPr id="2" name="Vertical Title 1"/>
           <p:cNvSpPr>
             <a:spLocks noGrp="1"/>
           </p:cNvSpPr>
@@ -565,8 +503,8 @@
         </p:nvSpPr>
         <p:spPr>
           <a:xfrm>
-            <a:off x="8724900" y="365125"/>
-            <a:ext cx="2628900" cy="5811838"/>
+            <a:off x="8179594" y="456406"/>
+            <a:ext cx="2464594" cy="7264798"/>
           </a:xfrm>
         </p:spPr>
         <p:txBody>
@@ -577,18 +515,13 @@
               <a:rPr lang="en-US"/>
               <a:t>Click to edit Master title style</a:t>
             </a:r>
-          </a:p>
-        </p:txBody>
-      </p:sp>
-      <p:sp>
-        <p:nvSpPr>
-          <p:cNvPr id="3" name="Vertical Text Placeholder 2">
-            <a:extLst>
-              <a:ext uri="{FF2B5EF4-FFF2-40B4-BE49-F238E27FC236}">
-                <a16:creationId xmlns:a16="http://schemas.microsoft.com/office/drawing/2014/main" id="{9B1E2036-83DC-4539-A076-9DD6D90EF261}"/>
-              </a:ext>
-            </a:extLst>
-          </p:cNvPr>
+            <a:endParaRPr lang="en-US" dirty="0"/>
+          </a:p>
+        </p:txBody>
+      </p:sp>
+      <p:sp>
+        <p:nvSpPr>
+          <p:cNvPr id="3" name="Vertical Text Placeholder 2"/>
           <p:cNvSpPr>
             <a:spLocks noGrp="1"/>
           </p:cNvSpPr>
@@ -598,8 +531,8 @@
         </p:nvSpPr>
         <p:spPr>
           <a:xfrm>
-            <a:off x="838200" y="365125"/>
-            <a:ext cx="7734300" cy="5811838"/>
+            <a:off x="785813" y="456406"/>
+            <a:ext cx="7250906" cy="7264798"/>
           </a:xfrm>
         </p:spPr>
         <p:txBody>
@@ -639,18 +572,13 @@
               <a:rPr lang="en-US"/>
               <a:t>Fifth level</a:t>
             </a:r>
-          </a:p>
-        </p:txBody>
-      </p:sp>
-      <p:sp>
-        <p:nvSpPr>
-          <p:cNvPr id="4" name="Date Placeholder 3">
-            <a:extLst>
-              <a:ext uri="{FF2B5EF4-FFF2-40B4-BE49-F238E27FC236}">
-                <a16:creationId xmlns:a16="http://schemas.microsoft.com/office/drawing/2014/main" id="{12CC2821-BCC8-4085-ACA5-1788AD2A7D3D}"/>
-              </a:ext>
-            </a:extLst>
-          </p:cNvPr>
+            <a:endParaRPr lang="en-US" dirty="0"/>
+          </a:p>
+        </p:txBody>
+      </p:sp>
+      <p:sp>
+        <p:nvSpPr>
+          <p:cNvPr id="4" name="Date Placeholder 3"/>
           <p:cNvSpPr>
             <a:spLocks noGrp="1"/>
           </p:cNvSpPr>
@@ -665,7 +593,7 @@
           <a:p>
             <a:fld id="{8D291730-3569-4027-A8D7-C91FF762B74B}" type="datetimeFigureOut">
               <a:rPr lang="en-US" smtClean="0"/>
-              <a:t>5/11/2018</a:t>
+              <a:t>6/5/2018</a:t>
             </a:fld>
             <a:endParaRPr lang="en-US"/>
           </a:p>
@@ -673,13 +601,7 @@
       </p:sp>
       <p:sp>
         <p:nvSpPr>
-          <p:cNvPr id="5" name="Footer Placeholder 4">
-            <a:extLst>
-              <a:ext uri="{FF2B5EF4-FFF2-40B4-BE49-F238E27FC236}">
-                <a16:creationId xmlns:a16="http://schemas.microsoft.com/office/drawing/2014/main" id="{99D441B2-7D77-480D-B676-093F11B9B1DD}"/>
-              </a:ext>
-            </a:extLst>
-          </p:cNvPr>
+          <p:cNvPr id="5" name="Footer Placeholder 4"/>
           <p:cNvSpPr>
             <a:spLocks noGrp="1"/>
           </p:cNvSpPr>
@@ -698,13 +620,7 @@
       </p:sp>
       <p:sp>
         <p:nvSpPr>
-          <p:cNvPr id="6" name="Slide Number Placeholder 5">
-            <a:extLst>
-              <a:ext uri="{FF2B5EF4-FFF2-40B4-BE49-F238E27FC236}">
-                <a16:creationId xmlns:a16="http://schemas.microsoft.com/office/drawing/2014/main" id="{2535386B-4454-4E3A-AC8C-EE167D4873A6}"/>
-              </a:ext>
-            </a:extLst>
-          </p:cNvPr>
+          <p:cNvPr id="6" name="Slide Number Placeholder 5"/>
           <p:cNvSpPr>
             <a:spLocks noGrp="1"/>
           </p:cNvSpPr>
@@ -728,7 +644,7 @@
     </p:spTree>
     <p:extLst>
       <p:ext uri="{BB962C8B-B14F-4D97-AF65-F5344CB8AC3E}">
-        <p14:creationId xmlns:p14="http://schemas.microsoft.com/office/powerpoint/2010/main" val="835822575"/>
+        <p14:creationId xmlns:p14="http://schemas.microsoft.com/office/powerpoint/2010/main" val="861324080"/>
       </p:ext>
     </p:extLst>
   </p:cSld>
@@ -757,13 +673,7 @@
       </p:grpSpPr>
       <p:sp>
         <p:nvSpPr>
-          <p:cNvPr id="2" name="Title 1">
-            <a:extLst>
-              <a:ext uri="{FF2B5EF4-FFF2-40B4-BE49-F238E27FC236}">
-                <a16:creationId xmlns:a16="http://schemas.microsoft.com/office/drawing/2014/main" id="{7882BB24-A6F2-4E13-A8A3-E5884643D4CE}"/>
-              </a:ext>
-            </a:extLst>
-          </p:cNvPr>
+          <p:cNvPr id="2" name="Title 1"/>
           <p:cNvSpPr>
             <a:spLocks noGrp="1"/>
           </p:cNvSpPr>
@@ -780,18 +690,13 @@
               <a:rPr lang="en-US"/>
               <a:t>Click to edit Master title style</a:t>
             </a:r>
-          </a:p>
-        </p:txBody>
-      </p:sp>
-      <p:sp>
-        <p:nvSpPr>
-          <p:cNvPr id="3" name="Content Placeholder 2">
-            <a:extLst>
-              <a:ext uri="{FF2B5EF4-FFF2-40B4-BE49-F238E27FC236}">
-                <a16:creationId xmlns:a16="http://schemas.microsoft.com/office/drawing/2014/main" id="{2E343424-8520-4C7C-A504-1195CDDC32A4}"/>
-              </a:ext>
-            </a:extLst>
-          </p:cNvPr>
+            <a:endParaRPr lang="en-US" dirty="0"/>
+          </a:p>
+        </p:txBody>
+      </p:sp>
+      <p:sp>
+        <p:nvSpPr>
+          <p:cNvPr id="3" name="Content Placeholder 2"/>
           <p:cNvSpPr>
             <a:spLocks noGrp="1"/>
           </p:cNvSpPr>
@@ -837,18 +742,13 @@
               <a:rPr lang="en-US"/>
               <a:t>Fifth level</a:t>
             </a:r>
-          </a:p>
-        </p:txBody>
-      </p:sp>
-      <p:sp>
-        <p:nvSpPr>
-          <p:cNvPr id="4" name="Date Placeholder 3">
-            <a:extLst>
-              <a:ext uri="{FF2B5EF4-FFF2-40B4-BE49-F238E27FC236}">
-                <a16:creationId xmlns:a16="http://schemas.microsoft.com/office/drawing/2014/main" id="{72D81A7A-3B48-403E-BDB6-1448A93F2E43}"/>
-              </a:ext>
-            </a:extLst>
-          </p:cNvPr>
+            <a:endParaRPr lang="en-US" dirty="0"/>
+          </a:p>
+        </p:txBody>
+      </p:sp>
+      <p:sp>
+        <p:nvSpPr>
+          <p:cNvPr id="4" name="Date Placeholder 3"/>
           <p:cNvSpPr>
             <a:spLocks noGrp="1"/>
           </p:cNvSpPr>
@@ -863,7 +763,7 @@
           <a:p>
             <a:fld id="{8D291730-3569-4027-A8D7-C91FF762B74B}" type="datetimeFigureOut">
               <a:rPr lang="en-US" smtClean="0"/>
-              <a:t>5/11/2018</a:t>
+              <a:t>6/5/2018</a:t>
             </a:fld>
             <a:endParaRPr lang="en-US"/>
           </a:p>
@@ -871,13 +771,7 @@
       </p:sp>
       <p:sp>
         <p:nvSpPr>
-          <p:cNvPr id="5" name="Footer Placeholder 4">
-            <a:extLst>
-              <a:ext uri="{FF2B5EF4-FFF2-40B4-BE49-F238E27FC236}">
-                <a16:creationId xmlns:a16="http://schemas.microsoft.com/office/drawing/2014/main" id="{A07BC4E7-C93C-4F16-BDE2-306ACBCFFCBC}"/>
-              </a:ext>
-            </a:extLst>
-          </p:cNvPr>
+          <p:cNvPr id="5" name="Footer Placeholder 4"/>
           <p:cNvSpPr>
             <a:spLocks noGrp="1"/>
           </p:cNvSpPr>
@@ -896,13 +790,7 @@
       </p:sp>
       <p:sp>
         <p:nvSpPr>
-          <p:cNvPr id="6" name="Slide Number Placeholder 5">
-            <a:extLst>
-              <a:ext uri="{FF2B5EF4-FFF2-40B4-BE49-F238E27FC236}">
-                <a16:creationId xmlns:a16="http://schemas.microsoft.com/office/drawing/2014/main" id="{DC1424C7-9BF7-44A7-AD56-63630CF4D1BB}"/>
-              </a:ext>
-            </a:extLst>
-          </p:cNvPr>
+          <p:cNvPr id="6" name="Slide Number Placeholder 5"/>
           <p:cNvSpPr>
             <a:spLocks noGrp="1"/>
           </p:cNvSpPr>
@@ -926,7 +814,7 @@
     </p:spTree>
     <p:extLst>
       <p:ext uri="{BB962C8B-B14F-4D97-AF65-F5344CB8AC3E}">
-        <p14:creationId xmlns:p14="http://schemas.microsoft.com/office/powerpoint/2010/main" val="2050255893"/>
+        <p14:creationId xmlns:p14="http://schemas.microsoft.com/office/powerpoint/2010/main" val="2085486773"/>
       </p:ext>
     </p:extLst>
   </p:cSld>
@@ -955,13 +843,7 @@
       </p:grpSpPr>
       <p:sp>
         <p:nvSpPr>
-          <p:cNvPr id="2" name="Title 1">
-            <a:extLst>
-              <a:ext uri="{FF2B5EF4-FFF2-40B4-BE49-F238E27FC236}">
-                <a16:creationId xmlns:a16="http://schemas.microsoft.com/office/drawing/2014/main" id="{C68BA5F7-3A2A-4BA0-A5B9-62DB57B10BC2}"/>
-              </a:ext>
-            </a:extLst>
-          </p:cNvPr>
+          <p:cNvPr id="2" name="Title 1"/>
           <p:cNvSpPr>
             <a:spLocks noGrp="1"/>
           </p:cNvSpPr>
@@ -971,15 +853,15 @@
         </p:nvSpPr>
         <p:spPr>
           <a:xfrm>
-            <a:off x="831850" y="1709738"/>
-            <a:ext cx="10515600" cy="2852737"/>
+            <a:off x="779860" y="2137175"/>
+            <a:ext cx="9858375" cy="3565921"/>
           </a:xfrm>
         </p:spPr>
         <p:txBody>
           <a:bodyPr anchor="b"/>
           <a:lstStyle>
             <a:lvl1pPr>
-              <a:defRPr sz="6000"/>
+              <a:defRPr sz="7500"/>
             </a:lvl1pPr>
           </a:lstStyle>
           <a:p>
@@ -987,18 +869,13 @@
               <a:rPr lang="en-US"/>
               <a:t>Click to edit Master title style</a:t>
             </a:r>
-          </a:p>
-        </p:txBody>
-      </p:sp>
-      <p:sp>
-        <p:nvSpPr>
-          <p:cNvPr id="3" name="Text Placeholder 2">
-            <a:extLst>
-              <a:ext uri="{FF2B5EF4-FFF2-40B4-BE49-F238E27FC236}">
-                <a16:creationId xmlns:a16="http://schemas.microsoft.com/office/drawing/2014/main" id="{409E1851-1680-44AD-B496-2C17F6E2D59C}"/>
-              </a:ext>
-            </a:extLst>
-          </p:cNvPr>
+            <a:endParaRPr lang="en-US" dirty="0"/>
+          </a:p>
+        </p:txBody>
+      </p:sp>
+      <p:sp>
+        <p:nvSpPr>
+          <p:cNvPr id="3" name="Text Placeholder 2"/>
           <p:cNvSpPr>
             <a:spLocks noGrp="1"/>
           </p:cNvSpPr>
@@ -1008,8 +885,8 @@
         </p:nvSpPr>
         <p:spPr>
           <a:xfrm>
-            <a:off x="831850" y="4589463"/>
-            <a:ext cx="10515600" cy="1500187"/>
+            <a:off x="779860" y="5736831"/>
+            <a:ext cx="9858375" cy="1875234"/>
           </a:xfrm>
         </p:spPr>
         <p:txBody>
@@ -1017,15 +894,33 @@
           <a:lstStyle>
             <a:lvl1pPr marL="0" indent="0">
               <a:buNone/>
-              <a:defRPr sz="2400">
+              <a:defRPr sz="3000">
+                <a:solidFill>
+                  <a:schemeClr val="tx1"/>
+                </a:solidFill>
+              </a:defRPr>
+            </a:lvl1pPr>
+            <a:lvl2pPr marL="571500" indent="0">
+              <a:buNone/>
+              <a:defRPr sz="2500">
                 <a:solidFill>
                   <a:schemeClr val="tx1">
                     <a:tint val="75000"/>
                   </a:schemeClr>
                 </a:solidFill>
               </a:defRPr>
-            </a:lvl1pPr>
-            <a:lvl2pPr marL="457200" indent="0">
+            </a:lvl2pPr>
+            <a:lvl3pPr marL="1143000" indent="0">
+              <a:buNone/>
+              <a:defRPr sz="2250">
+                <a:solidFill>
+                  <a:schemeClr val="tx1">
+                    <a:tint val="75000"/>
+                  </a:schemeClr>
+                </a:solidFill>
+              </a:defRPr>
+            </a:lvl3pPr>
+            <a:lvl4pPr marL="1714500" indent="0">
               <a:buNone/>
               <a:defRPr sz="2000">
                 <a:solidFill>
@@ -1034,30 +929,10 @@
                   </a:schemeClr>
                 </a:solidFill>
               </a:defRPr>
-            </a:lvl2pPr>
-            <a:lvl3pPr marL="914400" indent="0">
-              <a:buNone/>
-              <a:defRPr sz="1800">
-                <a:solidFill>
-                  <a:schemeClr val="tx1">
-                    <a:tint val="75000"/>
-                  </a:schemeClr>
-                </a:solidFill>
-              </a:defRPr>
-            </a:lvl3pPr>
-            <a:lvl4pPr marL="1371600" indent="0">
-              <a:buNone/>
-              <a:defRPr sz="1600">
-                <a:solidFill>
-                  <a:schemeClr val="tx1">
-                    <a:tint val="75000"/>
-                  </a:schemeClr>
-                </a:solidFill>
-              </a:defRPr>
             </a:lvl4pPr>
-            <a:lvl5pPr marL="1828800" indent="0">
-              <a:buNone/>
-              <a:defRPr sz="1600">
+            <a:lvl5pPr marL="2286000" indent="0">
+              <a:buNone/>
+              <a:defRPr sz="2000">
                 <a:solidFill>
                   <a:schemeClr val="tx1">
                     <a:tint val="75000"/>
@@ -1065,9 +940,9 @@
                 </a:solidFill>
               </a:defRPr>
             </a:lvl5pPr>
-            <a:lvl6pPr marL="2286000" indent="0">
-              <a:buNone/>
-              <a:defRPr sz="1600">
+            <a:lvl6pPr marL="2857500" indent="0">
+              <a:buNone/>
+              <a:defRPr sz="2000">
                 <a:solidFill>
                   <a:schemeClr val="tx1">
                     <a:tint val="75000"/>
@@ -1075,9 +950,9 @@
                 </a:solidFill>
               </a:defRPr>
             </a:lvl6pPr>
-            <a:lvl7pPr marL="2743200" indent="0">
-              <a:buNone/>
-              <a:defRPr sz="1600">
+            <a:lvl7pPr marL="3429000" indent="0">
+              <a:buNone/>
+              <a:defRPr sz="2000">
                 <a:solidFill>
                   <a:schemeClr val="tx1">
                     <a:tint val="75000"/>
@@ -1085,9 +960,9 @@
                 </a:solidFill>
               </a:defRPr>
             </a:lvl7pPr>
-            <a:lvl8pPr marL="3200400" indent="0">
-              <a:buNone/>
-              <a:defRPr sz="1600">
+            <a:lvl8pPr marL="4000500" indent="0">
+              <a:buNone/>
+              <a:defRPr sz="2000">
                 <a:solidFill>
                   <a:schemeClr val="tx1">
                     <a:tint val="75000"/>
@@ -1095,9 +970,9 @@
                 </a:solidFill>
               </a:defRPr>
             </a:lvl8pPr>
-            <a:lvl9pPr marL="3657600" indent="0">
-              <a:buNone/>
-              <a:defRPr sz="1600">
+            <a:lvl9pPr marL="4572000" indent="0">
+              <a:buNone/>
+              <a:defRPr sz="2000">
                 <a:solidFill>
                   <a:schemeClr val="tx1">
                     <a:tint val="75000"/>
@@ -1117,13 +992,7 @@
       </p:sp>
       <p:sp>
         <p:nvSpPr>
-          <p:cNvPr id="4" name="Date Placeholder 3">
-            <a:extLst>
-              <a:ext uri="{FF2B5EF4-FFF2-40B4-BE49-F238E27FC236}">
-                <a16:creationId xmlns:a16="http://schemas.microsoft.com/office/drawing/2014/main" id="{1C26F906-EDE8-4DF4-BF86-848AA0F0A0D7}"/>
-              </a:ext>
-            </a:extLst>
-          </p:cNvPr>
+          <p:cNvPr id="4" name="Date Placeholder 3"/>
           <p:cNvSpPr>
             <a:spLocks noGrp="1"/>
           </p:cNvSpPr>
@@ -1138,7 +1007,7 @@
           <a:p>
             <a:fld id="{8D291730-3569-4027-A8D7-C91FF762B74B}" type="datetimeFigureOut">
               <a:rPr lang="en-US" smtClean="0"/>
-              <a:t>5/11/2018</a:t>
+              <a:t>6/5/2018</a:t>
             </a:fld>
             <a:endParaRPr lang="en-US"/>
           </a:p>
@@ -1146,13 +1015,7 @@
       </p:sp>
       <p:sp>
         <p:nvSpPr>
-          <p:cNvPr id="5" name="Footer Placeholder 4">
-            <a:extLst>
-              <a:ext uri="{FF2B5EF4-FFF2-40B4-BE49-F238E27FC236}">
-                <a16:creationId xmlns:a16="http://schemas.microsoft.com/office/drawing/2014/main" id="{4662BACE-B16A-4480-BCE3-783EAD483F24}"/>
-              </a:ext>
-            </a:extLst>
-          </p:cNvPr>
+          <p:cNvPr id="5" name="Footer Placeholder 4"/>
           <p:cNvSpPr>
             <a:spLocks noGrp="1"/>
           </p:cNvSpPr>
@@ -1171,13 +1034,7 @@
       </p:sp>
       <p:sp>
         <p:nvSpPr>
-          <p:cNvPr id="6" name="Slide Number Placeholder 5">
-            <a:extLst>
-              <a:ext uri="{FF2B5EF4-FFF2-40B4-BE49-F238E27FC236}">
-                <a16:creationId xmlns:a16="http://schemas.microsoft.com/office/drawing/2014/main" id="{F905F373-7C78-40A4-B293-E2F9535FE845}"/>
-              </a:ext>
-            </a:extLst>
-          </p:cNvPr>
+          <p:cNvPr id="6" name="Slide Number Placeholder 5"/>
           <p:cNvSpPr>
             <a:spLocks noGrp="1"/>
           </p:cNvSpPr>
@@ -1201,7 +1058,7 @@
     </p:spTree>
     <p:extLst>
       <p:ext uri="{BB962C8B-B14F-4D97-AF65-F5344CB8AC3E}">
-        <p14:creationId xmlns:p14="http://schemas.microsoft.com/office/powerpoint/2010/main" val="3665108666"/>
+        <p14:creationId xmlns:p14="http://schemas.microsoft.com/office/powerpoint/2010/main" val="1644806000"/>
       </p:ext>
     </p:extLst>
   </p:cSld>
@@ -1230,13 +1087,7 @@
       </p:grpSpPr>
       <p:sp>
         <p:nvSpPr>
-          <p:cNvPr id="2" name="Title 1">
-            <a:extLst>
-              <a:ext uri="{FF2B5EF4-FFF2-40B4-BE49-F238E27FC236}">
-                <a16:creationId xmlns:a16="http://schemas.microsoft.com/office/drawing/2014/main" id="{DEC56085-64BC-4677-A163-6FC8C73A2488}"/>
-              </a:ext>
-            </a:extLst>
-          </p:cNvPr>
+          <p:cNvPr id="2" name="Title 1"/>
           <p:cNvSpPr>
             <a:spLocks noGrp="1"/>
           </p:cNvSpPr>
@@ -1253,18 +1104,13 @@
               <a:rPr lang="en-US"/>
               <a:t>Click to edit Master title style</a:t>
             </a:r>
-          </a:p>
-        </p:txBody>
-      </p:sp>
-      <p:sp>
-        <p:nvSpPr>
-          <p:cNvPr id="3" name="Content Placeholder 2">
-            <a:extLst>
-              <a:ext uri="{FF2B5EF4-FFF2-40B4-BE49-F238E27FC236}">
-                <a16:creationId xmlns:a16="http://schemas.microsoft.com/office/drawing/2014/main" id="{0B08BC0D-4774-4AA8-A231-0735D28A615F}"/>
-              </a:ext>
-            </a:extLst>
-          </p:cNvPr>
+            <a:endParaRPr lang="en-US" dirty="0"/>
+          </a:p>
+        </p:txBody>
+      </p:sp>
+      <p:sp>
+        <p:nvSpPr>
+          <p:cNvPr id="3" name="Content Placeholder 2"/>
           <p:cNvSpPr>
             <a:spLocks noGrp="1"/>
           </p:cNvSpPr>
@@ -1274,8 +1120,8 @@
         </p:nvSpPr>
         <p:spPr>
           <a:xfrm>
-            <a:off x="838200" y="1825625"/>
-            <a:ext cx="5181600" cy="4351338"/>
+            <a:off x="785813" y="2282031"/>
+            <a:ext cx="4857750" cy="5439173"/>
           </a:xfrm>
         </p:spPr>
         <p:txBody>
@@ -1315,18 +1161,13 @@
               <a:rPr lang="en-US"/>
               <a:t>Fifth level</a:t>
             </a:r>
-          </a:p>
-        </p:txBody>
-      </p:sp>
-      <p:sp>
-        <p:nvSpPr>
-          <p:cNvPr id="4" name="Content Placeholder 3">
-            <a:extLst>
-              <a:ext uri="{FF2B5EF4-FFF2-40B4-BE49-F238E27FC236}">
-                <a16:creationId xmlns:a16="http://schemas.microsoft.com/office/drawing/2014/main" id="{AADDCC9C-5A18-4FF5-8F61-9B47B57FC37D}"/>
-              </a:ext>
-            </a:extLst>
-          </p:cNvPr>
+            <a:endParaRPr lang="en-US" dirty="0"/>
+          </a:p>
+        </p:txBody>
+      </p:sp>
+      <p:sp>
+        <p:nvSpPr>
+          <p:cNvPr id="4" name="Content Placeholder 3"/>
           <p:cNvSpPr>
             <a:spLocks noGrp="1"/>
           </p:cNvSpPr>
@@ -1336,8 +1177,8 @@
         </p:nvSpPr>
         <p:spPr>
           <a:xfrm>
-            <a:off x="6172200" y="1825625"/>
-            <a:ext cx="5181600" cy="4351338"/>
+            <a:off x="5786438" y="2282031"/>
+            <a:ext cx="4857750" cy="5439173"/>
           </a:xfrm>
         </p:spPr>
         <p:txBody>
@@ -1377,18 +1218,13 @@
               <a:rPr lang="en-US"/>
               <a:t>Fifth level</a:t>
             </a:r>
-          </a:p>
-        </p:txBody>
-      </p:sp>
-      <p:sp>
-        <p:nvSpPr>
-          <p:cNvPr id="5" name="Date Placeholder 4">
-            <a:extLst>
-              <a:ext uri="{FF2B5EF4-FFF2-40B4-BE49-F238E27FC236}">
-                <a16:creationId xmlns:a16="http://schemas.microsoft.com/office/drawing/2014/main" id="{CE5BC173-D0BD-431E-B9DD-75AA5D6F71FB}"/>
-              </a:ext>
-            </a:extLst>
-          </p:cNvPr>
+            <a:endParaRPr lang="en-US" dirty="0"/>
+          </a:p>
+        </p:txBody>
+      </p:sp>
+      <p:sp>
+        <p:nvSpPr>
+          <p:cNvPr id="5" name="Date Placeholder 4"/>
           <p:cNvSpPr>
             <a:spLocks noGrp="1"/>
           </p:cNvSpPr>
@@ -1403,7 +1239,7 @@
           <a:p>
             <a:fld id="{8D291730-3569-4027-A8D7-C91FF762B74B}" type="datetimeFigureOut">
               <a:rPr lang="en-US" smtClean="0"/>
-              <a:t>5/11/2018</a:t>
+              <a:t>6/5/2018</a:t>
             </a:fld>
             <a:endParaRPr lang="en-US"/>
           </a:p>
@@ -1411,13 +1247,7 @@
       </p:sp>
       <p:sp>
         <p:nvSpPr>
-          <p:cNvPr id="6" name="Footer Placeholder 5">
-            <a:extLst>
-              <a:ext uri="{FF2B5EF4-FFF2-40B4-BE49-F238E27FC236}">
-                <a16:creationId xmlns:a16="http://schemas.microsoft.com/office/drawing/2014/main" id="{3890AAA1-F399-49E5-90C4-A4FCCBB426B5}"/>
-              </a:ext>
-            </a:extLst>
-          </p:cNvPr>
+          <p:cNvPr id="6" name="Footer Placeholder 5"/>
           <p:cNvSpPr>
             <a:spLocks noGrp="1"/>
           </p:cNvSpPr>
@@ -1436,13 +1266,7 @@
       </p:sp>
       <p:sp>
         <p:nvSpPr>
-          <p:cNvPr id="7" name="Slide Number Placeholder 6">
-            <a:extLst>
-              <a:ext uri="{FF2B5EF4-FFF2-40B4-BE49-F238E27FC236}">
-                <a16:creationId xmlns:a16="http://schemas.microsoft.com/office/drawing/2014/main" id="{0126933F-446B-476D-9D92-938220BFF64A}"/>
-              </a:ext>
-            </a:extLst>
-          </p:cNvPr>
+          <p:cNvPr id="7" name="Slide Number Placeholder 6"/>
           <p:cNvSpPr>
             <a:spLocks noGrp="1"/>
           </p:cNvSpPr>
@@ -1466,7 +1290,7 @@
     </p:spTree>
     <p:extLst>
       <p:ext uri="{BB962C8B-B14F-4D97-AF65-F5344CB8AC3E}">
-        <p14:creationId xmlns:p14="http://schemas.microsoft.com/office/powerpoint/2010/main" val="366510764"/>
+        <p14:creationId xmlns:p14="http://schemas.microsoft.com/office/powerpoint/2010/main" val="801484893"/>
       </p:ext>
     </p:extLst>
   </p:cSld>
@@ -1495,13 +1319,7 @@
       </p:grpSpPr>
       <p:sp>
         <p:nvSpPr>
-          <p:cNvPr id="2" name="Title 1">
-            <a:extLst>
-              <a:ext uri="{FF2B5EF4-FFF2-40B4-BE49-F238E27FC236}">
-                <a16:creationId xmlns:a16="http://schemas.microsoft.com/office/drawing/2014/main" id="{EFE23F45-1428-41CE-881E-EFAEBFD6BABD}"/>
-              </a:ext>
-            </a:extLst>
-          </p:cNvPr>
+          <p:cNvPr id="2" name="Title 1"/>
           <p:cNvSpPr>
             <a:spLocks noGrp="1"/>
           </p:cNvSpPr>
@@ -1511,8 +1329,8 @@
         </p:nvSpPr>
         <p:spPr>
           <a:xfrm>
-            <a:off x="839788" y="365125"/>
-            <a:ext cx="10515600" cy="1325563"/>
+            <a:off x="787301" y="456408"/>
+            <a:ext cx="9858375" cy="1656954"/>
           </a:xfrm>
         </p:spPr>
         <p:txBody>
@@ -1523,18 +1341,13 @@
               <a:rPr lang="en-US"/>
               <a:t>Click to edit Master title style</a:t>
             </a:r>
-          </a:p>
-        </p:txBody>
-      </p:sp>
-      <p:sp>
-        <p:nvSpPr>
-          <p:cNvPr id="3" name="Text Placeholder 2">
-            <a:extLst>
-              <a:ext uri="{FF2B5EF4-FFF2-40B4-BE49-F238E27FC236}">
-                <a16:creationId xmlns:a16="http://schemas.microsoft.com/office/drawing/2014/main" id="{D8B07872-42E1-40E4-9943-1AA4B1C9B1FB}"/>
-              </a:ext>
-            </a:extLst>
-          </p:cNvPr>
+            <a:endParaRPr lang="en-US" dirty="0"/>
+          </a:p>
+        </p:txBody>
+      </p:sp>
+      <p:sp>
+        <p:nvSpPr>
+          <p:cNvPr id="3" name="Text Placeholder 2"/>
           <p:cNvSpPr>
             <a:spLocks noGrp="1"/>
           </p:cNvSpPr>
@@ -1544,8 +1357,8 @@
         </p:nvSpPr>
         <p:spPr>
           <a:xfrm>
-            <a:off x="839788" y="1681163"/>
-            <a:ext cx="5157787" cy="823912"/>
+            <a:off x="787303" y="2101454"/>
+            <a:ext cx="4835425" cy="1029890"/>
           </a:xfrm>
         </p:spPr>
         <p:txBody>
@@ -1553,39 +1366,39 @@
           <a:lstStyle>
             <a:lvl1pPr marL="0" indent="0">
               <a:buNone/>
-              <a:defRPr sz="2400" b="1"/>
+              <a:defRPr sz="3000" b="1"/>
             </a:lvl1pPr>
-            <a:lvl2pPr marL="457200" indent="0">
+            <a:lvl2pPr marL="571500" indent="0">
+              <a:buNone/>
+              <a:defRPr sz="2500" b="1"/>
+            </a:lvl2pPr>
+            <a:lvl3pPr marL="1143000" indent="0">
+              <a:buNone/>
+              <a:defRPr sz="2250" b="1"/>
+            </a:lvl3pPr>
+            <a:lvl4pPr marL="1714500" indent="0">
               <a:buNone/>
               <a:defRPr sz="2000" b="1"/>
-            </a:lvl2pPr>
-            <a:lvl3pPr marL="914400" indent="0">
-              <a:buNone/>
-              <a:defRPr sz="1800" b="1"/>
-            </a:lvl3pPr>
-            <a:lvl4pPr marL="1371600" indent="0">
-              <a:buNone/>
-              <a:defRPr sz="1600" b="1"/>
             </a:lvl4pPr>
-            <a:lvl5pPr marL="1828800" indent="0">
-              <a:buNone/>
-              <a:defRPr sz="1600" b="1"/>
+            <a:lvl5pPr marL="2286000" indent="0">
+              <a:buNone/>
+              <a:defRPr sz="2000" b="1"/>
             </a:lvl5pPr>
-            <a:lvl6pPr marL="2286000" indent="0">
-              <a:buNone/>
-              <a:defRPr sz="1600" b="1"/>
+            <a:lvl6pPr marL="2857500" indent="0">
+              <a:buNone/>
+              <a:defRPr sz="2000" b="1"/>
             </a:lvl6pPr>
-            <a:lvl7pPr marL="2743200" indent="0">
-              <a:buNone/>
-              <a:defRPr sz="1600" b="1"/>
+            <a:lvl7pPr marL="3429000" indent="0">
+              <a:buNone/>
+              <a:defRPr sz="2000" b="1"/>
             </a:lvl7pPr>
-            <a:lvl8pPr marL="3200400" indent="0">
-              <a:buNone/>
-              <a:defRPr sz="1600" b="1"/>
+            <a:lvl8pPr marL="4000500" indent="0">
+              <a:buNone/>
+              <a:defRPr sz="2000" b="1"/>
             </a:lvl8pPr>
-            <a:lvl9pPr marL="3657600" indent="0">
-              <a:buNone/>
-              <a:defRPr sz="1600" b="1"/>
+            <a:lvl9pPr marL="4572000" indent="0">
+              <a:buNone/>
+              <a:defRPr sz="2000" b="1"/>
             </a:lvl9pPr>
           </a:lstStyle>
           <a:p>
@@ -1599,13 +1412,7 @@
       </p:sp>
       <p:sp>
         <p:nvSpPr>
-          <p:cNvPr id="4" name="Content Placeholder 3">
-            <a:extLst>
-              <a:ext uri="{FF2B5EF4-FFF2-40B4-BE49-F238E27FC236}">
-                <a16:creationId xmlns:a16="http://schemas.microsoft.com/office/drawing/2014/main" id="{8A2FFD83-A4DF-410F-BC8A-98F17D9E7E90}"/>
-              </a:ext>
-            </a:extLst>
-          </p:cNvPr>
+          <p:cNvPr id="4" name="Content Placeholder 3"/>
           <p:cNvSpPr>
             <a:spLocks noGrp="1"/>
           </p:cNvSpPr>
@@ -1615,8 +1422,8 @@
         </p:nvSpPr>
         <p:spPr>
           <a:xfrm>
-            <a:off x="839788" y="2505075"/>
-            <a:ext cx="5157787" cy="3684588"/>
+            <a:off x="787303" y="3131344"/>
+            <a:ext cx="4835425" cy="4605735"/>
           </a:xfrm>
         </p:spPr>
         <p:txBody>
@@ -1656,18 +1463,13 @@
               <a:rPr lang="en-US"/>
               <a:t>Fifth level</a:t>
             </a:r>
-          </a:p>
-        </p:txBody>
-      </p:sp>
-      <p:sp>
-        <p:nvSpPr>
-          <p:cNvPr id="5" name="Text Placeholder 4">
-            <a:extLst>
-              <a:ext uri="{FF2B5EF4-FFF2-40B4-BE49-F238E27FC236}">
-                <a16:creationId xmlns:a16="http://schemas.microsoft.com/office/drawing/2014/main" id="{750BF765-F008-484A-B94D-749C3AC3F676}"/>
-              </a:ext>
-            </a:extLst>
-          </p:cNvPr>
+            <a:endParaRPr lang="en-US" dirty="0"/>
+          </a:p>
+        </p:txBody>
+      </p:sp>
+      <p:sp>
+        <p:nvSpPr>
+          <p:cNvPr id="5" name="Text Placeholder 4"/>
           <p:cNvSpPr>
             <a:spLocks noGrp="1"/>
           </p:cNvSpPr>
@@ -1677,8 +1479,8 @@
         </p:nvSpPr>
         <p:spPr>
           <a:xfrm>
-            <a:off x="6172200" y="1681163"/>
-            <a:ext cx="5183188" cy="823912"/>
+            <a:off x="5786438" y="2101454"/>
+            <a:ext cx="4859239" cy="1029890"/>
           </a:xfrm>
         </p:spPr>
         <p:txBody>
@@ -1686,39 +1488,39 @@
           <a:lstStyle>
             <a:lvl1pPr marL="0" indent="0">
               <a:buNone/>
-              <a:defRPr sz="2400" b="1"/>
+              <a:defRPr sz="3000" b="1"/>
             </a:lvl1pPr>
-            <a:lvl2pPr marL="457200" indent="0">
+            <a:lvl2pPr marL="571500" indent="0">
+              <a:buNone/>
+              <a:defRPr sz="2500" b="1"/>
+            </a:lvl2pPr>
+            <a:lvl3pPr marL="1143000" indent="0">
+              <a:buNone/>
+              <a:defRPr sz="2250" b="1"/>
+            </a:lvl3pPr>
+            <a:lvl4pPr marL="1714500" indent="0">
               <a:buNone/>
               <a:defRPr sz="2000" b="1"/>
-            </a:lvl2pPr>
-            <a:lvl3pPr marL="914400" indent="0">
-              <a:buNone/>
-              <a:defRPr sz="1800" b="1"/>
-            </a:lvl3pPr>
-            <a:lvl4pPr marL="1371600" indent="0">
-              <a:buNone/>
-              <a:defRPr sz="1600" b="1"/>
             </a:lvl4pPr>
-            <a:lvl5pPr marL="1828800" indent="0">
-              <a:buNone/>
-              <a:defRPr sz="1600" b="1"/>
+            <a:lvl5pPr marL="2286000" indent="0">
+              <a:buNone/>
+              <a:defRPr sz="2000" b="1"/>
             </a:lvl5pPr>
-            <a:lvl6pPr marL="2286000" indent="0">
-              <a:buNone/>
-              <a:defRPr sz="1600" b="1"/>
+            <a:lvl6pPr marL="2857500" indent="0">
+              <a:buNone/>
+              <a:defRPr sz="2000" b="1"/>
             </a:lvl6pPr>
-            <a:lvl7pPr marL="2743200" indent="0">
-              <a:buNone/>
-              <a:defRPr sz="1600" b="1"/>
+            <a:lvl7pPr marL="3429000" indent="0">
+              <a:buNone/>
+              <a:defRPr sz="2000" b="1"/>
             </a:lvl7pPr>
-            <a:lvl8pPr marL="3200400" indent="0">
-              <a:buNone/>
-              <a:defRPr sz="1600" b="1"/>
+            <a:lvl8pPr marL="4000500" indent="0">
+              <a:buNone/>
+              <a:defRPr sz="2000" b="1"/>
             </a:lvl8pPr>
-            <a:lvl9pPr marL="3657600" indent="0">
-              <a:buNone/>
-              <a:defRPr sz="1600" b="1"/>
+            <a:lvl9pPr marL="4572000" indent="0">
+              <a:buNone/>
+              <a:defRPr sz="2000" b="1"/>
             </a:lvl9pPr>
           </a:lstStyle>
           <a:p>
@@ -1732,13 +1534,7 @@
       </p:sp>
       <p:sp>
         <p:nvSpPr>
-          <p:cNvPr id="6" name="Content Placeholder 5">
-            <a:extLst>
-              <a:ext uri="{FF2B5EF4-FFF2-40B4-BE49-F238E27FC236}">
-                <a16:creationId xmlns:a16="http://schemas.microsoft.com/office/drawing/2014/main" id="{A4C8B932-F59E-460A-A0DB-8C738B39D7F3}"/>
-              </a:ext>
-            </a:extLst>
-          </p:cNvPr>
+          <p:cNvPr id="6" name="Content Placeholder 5"/>
           <p:cNvSpPr>
             <a:spLocks noGrp="1"/>
           </p:cNvSpPr>
@@ -1748,8 +1544,8 @@
         </p:nvSpPr>
         <p:spPr>
           <a:xfrm>
-            <a:off x="6172200" y="2505075"/>
-            <a:ext cx="5183188" cy="3684588"/>
+            <a:off x="5786438" y="3131344"/>
+            <a:ext cx="4859239" cy="4605735"/>
           </a:xfrm>
         </p:spPr>
         <p:txBody>
@@ -1789,18 +1585,13 @@
               <a:rPr lang="en-US"/>
               <a:t>Fifth level</a:t>
             </a:r>
-          </a:p>
-        </p:txBody>
-      </p:sp>
-      <p:sp>
-        <p:nvSpPr>
-          <p:cNvPr id="7" name="Date Placeholder 6">
-            <a:extLst>
-              <a:ext uri="{FF2B5EF4-FFF2-40B4-BE49-F238E27FC236}">
-                <a16:creationId xmlns:a16="http://schemas.microsoft.com/office/drawing/2014/main" id="{99A33C61-CB84-44B4-9660-52D041523EBA}"/>
-              </a:ext>
-            </a:extLst>
-          </p:cNvPr>
+            <a:endParaRPr lang="en-US" dirty="0"/>
+          </a:p>
+        </p:txBody>
+      </p:sp>
+      <p:sp>
+        <p:nvSpPr>
+          <p:cNvPr id="7" name="Date Placeholder 6"/>
           <p:cNvSpPr>
             <a:spLocks noGrp="1"/>
           </p:cNvSpPr>
@@ -1815,7 +1606,7 @@
           <a:p>
             <a:fld id="{8D291730-3569-4027-A8D7-C91FF762B74B}" type="datetimeFigureOut">
               <a:rPr lang="en-US" smtClean="0"/>
-              <a:t>5/11/2018</a:t>
+              <a:t>6/5/2018</a:t>
             </a:fld>
             <a:endParaRPr lang="en-US"/>
           </a:p>
@@ -1823,13 +1614,7 @@
       </p:sp>
       <p:sp>
         <p:nvSpPr>
-          <p:cNvPr id="8" name="Footer Placeholder 7">
-            <a:extLst>
-              <a:ext uri="{FF2B5EF4-FFF2-40B4-BE49-F238E27FC236}">
-                <a16:creationId xmlns:a16="http://schemas.microsoft.com/office/drawing/2014/main" id="{1B8792A6-006B-4A03-ACA8-D5D4E6705906}"/>
-              </a:ext>
-            </a:extLst>
-          </p:cNvPr>
+          <p:cNvPr id="8" name="Footer Placeholder 7"/>
           <p:cNvSpPr>
             <a:spLocks noGrp="1"/>
           </p:cNvSpPr>
@@ -1848,13 +1633,7 @@
       </p:sp>
       <p:sp>
         <p:nvSpPr>
-          <p:cNvPr id="9" name="Slide Number Placeholder 8">
-            <a:extLst>
-              <a:ext uri="{FF2B5EF4-FFF2-40B4-BE49-F238E27FC236}">
-                <a16:creationId xmlns:a16="http://schemas.microsoft.com/office/drawing/2014/main" id="{015B3BC5-9379-4BE2-839E-4C46387881EE}"/>
-              </a:ext>
-            </a:extLst>
-          </p:cNvPr>
+          <p:cNvPr id="9" name="Slide Number Placeholder 8"/>
           <p:cNvSpPr>
             <a:spLocks noGrp="1"/>
           </p:cNvSpPr>
@@ -1878,7 +1657,7 @@
     </p:spTree>
     <p:extLst>
       <p:ext uri="{BB962C8B-B14F-4D97-AF65-F5344CB8AC3E}">
-        <p14:creationId xmlns:p14="http://schemas.microsoft.com/office/powerpoint/2010/main" val="2221694437"/>
+        <p14:creationId xmlns:p14="http://schemas.microsoft.com/office/powerpoint/2010/main" val="2566147532"/>
       </p:ext>
     </p:extLst>
   </p:cSld>
@@ -1907,13 +1686,7 @@
       </p:grpSpPr>
       <p:sp>
         <p:nvSpPr>
-          <p:cNvPr id="2" name="Title 1">
-            <a:extLst>
-              <a:ext uri="{FF2B5EF4-FFF2-40B4-BE49-F238E27FC236}">
-                <a16:creationId xmlns:a16="http://schemas.microsoft.com/office/drawing/2014/main" id="{60345344-6921-4919-A9B2-87F7E60B9B1E}"/>
-              </a:ext>
-            </a:extLst>
-          </p:cNvPr>
+          <p:cNvPr id="2" name="Title 1"/>
           <p:cNvSpPr>
             <a:spLocks noGrp="1"/>
           </p:cNvSpPr>
@@ -1930,18 +1703,13 @@
               <a:rPr lang="en-US"/>
               <a:t>Click to edit Master title style</a:t>
             </a:r>
-          </a:p>
-        </p:txBody>
-      </p:sp>
-      <p:sp>
-        <p:nvSpPr>
-          <p:cNvPr id="3" name="Date Placeholder 2">
-            <a:extLst>
-              <a:ext uri="{FF2B5EF4-FFF2-40B4-BE49-F238E27FC236}">
-                <a16:creationId xmlns:a16="http://schemas.microsoft.com/office/drawing/2014/main" id="{41702B46-2F4B-4D6D-8457-C688A75F8456}"/>
-              </a:ext>
-            </a:extLst>
-          </p:cNvPr>
+            <a:endParaRPr lang="en-US" dirty="0"/>
+          </a:p>
+        </p:txBody>
+      </p:sp>
+      <p:sp>
+        <p:nvSpPr>
+          <p:cNvPr id="3" name="Date Placeholder 2"/>
           <p:cNvSpPr>
             <a:spLocks noGrp="1"/>
           </p:cNvSpPr>
@@ -1956,7 +1724,7 @@
           <a:p>
             <a:fld id="{8D291730-3569-4027-A8D7-C91FF762B74B}" type="datetimeFigureOut">
               <a:rPr lang="en-US" smtClean="0"/>
-              <a:t>5/11/2018</a:t>
+              <a:t>6/5/2018</a:t>
             </a:fld>
             <a:endParaRPr lang="en-US"/>
           </a:p>
@@ -1964,13 +1732,7 @@
       </p:sp>
       <p:sp>
         <p:nvSpPr>
-          <p:cNvPr id="4" name="Footer Placeholder 3">
-            <a:extLst>
-              <a:ext uri="{FF2B5EF4-FFF2-40B4-BE49-F238E27FC236}">
-                <a16:creationId xmlns:a16="http://schemas.microsoft.com/office/drawing/2014/main" id="{B952561D-3280-4CD7-940F-B9651107A6EB}"/>
-              </a:ext>
-            </a:extLst>
-          </p:cNvPr>
+          <p:cNvPr id="4" name="Footer Placeholder 3"/>
           <p:cNvSpPr>
             <a:spLocks noGrp="1"/>
           </p:cNvSpPr>
@@ -1989,13 +1751,7 @@
       </p:sp>
       <p:sp>
         <p:nvSpPr>
-          <p:cNvPr id="5" name="Slide Number Placeholder 4">
-            <a:extLst>
-              <a:ext uri="{FF2B5EF4-FFF2-40B4-BE49-F238E27FC236}">
-                <a16:creationId xmlns:a16="http://schemas.microsoft.com/office/drawing/2014/main" id="{1EE08474-0404-4FBE-8B02-1A3B3CDFB812}"/>
-              </a:ext>
-            </a:extLst>
-          </p:cNvPr>
+          <p:cNvPr id="5" name="Slide Number Placeholder 4"/>
           <p:cNvSpPr>
             <a:spLocks noGrp="1"/>
           </p:cNvSpPr>
@@ -2019,7 +1775,7 @@
     </p:spTree>
     <p:extLst>
       <p:ext uri="{BB962C8B-B14F-4D97-AF65-F5344CB8AC3E}">
-        <p14:creationId xmlns:p14="http://schemas.microsoft.com/office/powerpoint/2010/main" val="3716477463"/>
+        <p14:creationId xmlns:p14="http://schemas.microsoft.com/office/powerpoint/2010/main" val="1848689904"/>
       </p:ext>
     </p:extLst>
   </p:cSld>
@@ -2048,13 +1804,7 @@
       </p:grpSpPr>
       <p:sp>
         <p:nvSpPr>
-          <p:cNvPr id="2" name="Date Placeholder 1">
-            <a:extLst>
-              <a:ext uri="{FF2B5EF4-FFF2-40B4-BE49-F238E27FC236}">
-                <a16:creationId xmlns:a16="http://schemas.microsoft.com/office/drawing/2014/main" id="{5E2CF433-F7D2-4191-9E81-C289FA1EA2C6}"/>
-              </a:ext>
-            </a:extLst>
-          </p:cNvPr>
+          <p:cNvPr id="2" name="Date Placeholder 1"/>
           <p:cNvSpPr>
             <a:spLocks noGrp="1"/>
           </p:cNvSpPr>
@@ -2069,7 +1819,7 @@
           <a:p>
             <a:fld id="{8D291730-3569-4027-A8D7-C91FF762B74B}" type="datetimeFigureOut">
               <a:rPr lang="en-US" smtClean="0"/>
-              <a:t>5/11/2018</a:t>
+              <a:t>6/5/2018</a:t>
             </a:fld>
             <a:endParaRPr lang="en-US"/>
           </a:p>
@@ -2077,13 +1827,7 @@
       </p:sp>
       <p:sp>
         <p:nvSpPr>
-          <p:cNvPr id="3" name="Footer Placeholder 2">
-            <a:extLst>
-              <a:ext uri="{FF2B5EF4-FFF2-40B4-BE49-F238E27FC236}">
-                <a16:creationId xmlns:a16="http://schemas.microsoft.com/office/drawing/2014/main" id="{7A6ADF56-3D7D-4DF6-969C-E34946D42BF1}"/>
-              </a:ext>
-            </a:extLst>
-          </p:cNvPr>
+          <p:cNvPr id="3" name="Footer Placeholder 2"/>
           <p:cNvSpPr>
             <a:spLocks noGrp="1"/>
           </p:cNvSpPr>
@@ -2102,13 +1846,7 @@
       </p:sp>
       <p:sp>
         <p:nvSpPr>
-          <p:cNvPr id="4" name="Slide Number Placeholder 3">
-            <a:extLst>
-              <a:ext uri="{FF2B5EF4-FFF2-40B4-BE49-F238E27FC236}">
-                <a16:creationId xmlns:a16="http://schemas.microsoft.com/office/drawing/2014/main" id="{6A42ED13-2C4A-4198-B8E6-C8289D215F5B}"/>
-              </a:ext>
-            </a:extLst>
-          </p:cNvPr>
+          <p:cNvPr id="4" name="Slide Number Placeholder 3"/>
           <p:cNvSpPr>
             <a:spLocks noGrp="1"/>
           </p:cNvSpPr>
@@ -2132,7 +1870,7 @@
     </p:spTree>
     <p:extLst>
       <p:ext uri="{BB962C8B-B14F-4D97-AF65-F5344CB8AC3E}">
-        <p14:creationId xmlns:p14="http://schemas.microsoft.com/office/powerpoint/2010/main" val="3914835881"/>
+        <p14:creationId xmlns:p14="http://schemas.microsoft.com/office/powerpoint/2010/main" val="3719994180"/>
       </p:ext>
     </p:extLst>
   </p:cSld>
@@ -2161,13 +1899,7 @@
       </p:grpSpPr>
       <p:sp>
         <p:nvSpPr>
-          <p:cNvPr id="2" name="Title 1">
-            <a:extLst>
-              <a:ext uri="{FF2B5EF4-FFF2-40B4-BE49-F238E27FC236}">
-                <a16:creationId xmlns:a16="http://schemas.microsoft.com/office/drawing/2014/main" id="{A2EE9644-F7D8-4ACF-8B25-B860E81287DE}"/>
-              </a:ext>
-            </a:extLst>
-          </p:cNvPr>
+          <p:cNvPr id="2" name="Title 1"/>
           <p:cNvSpPr>
             <a:spLocks noGrp="1"/>
           </p:cNvSpPr>
@@ -2177,15 +1909,15 @@
         </p:nvSpPr>
         <p:spPr>
           <a:xfrm>
-            <a:off x="839788" y="457200"/>
-            <a:ext cx="3932237" cy="1600200"/>
+            <a:off x="787301" y="571500"/>
+            <a:ext cx="3686473" cy="2000250"/>
           </a:xfrm>
         </p:spPr>
         <p:txBody>
           <a:bodyPr anchor="b"/>
           <a:lstStyle>
             <a:lvl1pPr>
-              <a:defRPr sz="3200"/>
+              <a:defRPr sz="4000"/>
             </a:lvl1pPr>
           </a:lstStyle>
           <a:p>
@@ -2193,18 +1925,13 @@
               <a:rPr lang="en-US"/>
               <a:t>Click to edit Master title style</a:t>
             </a:r>
-          </a:p>
-        </p:txBody>
-      </p:sp>
-      <p:sp>
-        <p:nvSpPr>
-          <p:cNvPr id="3" name="Content Placeholder 2">
-            <a:extLst>
-              <a:ext uri="{FF2B5EF4-FFF2-40B4-BE49-F238E27FC236}">
-                <a16:creationId xmlns:a16="http://schemas.microsoft.com/office/drawing/2014/main" id="{492DC631-0C94-41BD-8C22-D1FA6A57758D}"/>
-              </a:ext>
-            </a:extLst>
-          </p:cNvPr>
+            <a:endParaRPr lang="en-US" dirty="0"/>
+          </a:p>
+        </p:txBody>
+      </p:sp>
+      <p:sp>
+        <p:nvSpPr>
+          <p:cNvPr id="3" name="Content Placeholder 2"/>
           <p:cNvSpPr>
             <a:spLocks noGrp="1"/>
           </p:cNvSpPr>
@@ -2214,39 +1941,39 @@
         </p:nvSpPr>
         <p:spPr>
           <a:xfrm>
-            <a:off x="5183188" y="987425"/>
-            <a:ext cx="6172200" cy="4873625"/>
+            <a:off x="4859238" y="1234283"/>
+            <a:ext cx="5786438" cy="6092031"/>
           </a:xfrm>
         </p:spPr>
         <p:txBody>
           <a:bodyPr/>
           <a:lstStyle>
             <a:lvl1pPr>
-              <a:defRPr sz="3200"/>
+              <a:defRPr sz="4000"/>
             </a:lvl1pPr>
             <a:lvl2pPr>
-              <a:defRPr sz="2800"/>
+              <a:defRPr sz="3500"/>
             </a:lvl2pPr>
             <a:lvl3pPr>
-              <a:defRPr sz="2400"/>
+              <a:defRPr sz="3000"/>
             </a:lvl3pPr>
             <a:lvl4pPr>
-              <a:defRPr sz="2000"/>
+              <a:defRPr sz="2500"/>
             </a:lvl4pPr>
             <a:lvl5pPr>
-              <a:defRPr sz="2000"/>
+              <a:defRPr sz="2500"/>
             </a:lvl5pPr>
             <a:lvl6pPr>
-              <a:defRPr sz="2000"/>
+              <a:defRPr sz="2500"/>
             </a:lvl6pPr>
             <a:lvl7pPr>
-              <a:defRPr sz="2000"/>
+              <a:defRPr sz="2500"/>
             </a:lvl7pPr>
             <a:lvl8pPr>
-              <a:defRPr sz="2000"/>
+              <a:defRPr sz="2500"/>
             </a:lvl8pPr>
             <a:lvl9pPr>
-              <a:defRPr sz="2000"/>
+              <a:defRPr sz="2500"/>
             </a:lvl9pPr>
           </a:lstStyle>
           <a:p>
@@ -2283,18 +2010,13 @@
               <a:rPr lang="en-US"/>
               <a:t>Fifth level</a:t>
             </a:r>
-          </a:p>
-        </p:txBody>
-      </p:sp>
-      <p:sp>
-        <p:nvSpPr>
-          <p:cNvPr id="4" name="Text Placeholder 3">
-            <a:extLst>
-              <a:ext uri="{FF2B5EF4-FFF2-40B4-BE49-F238E27FC236}">
-                <a16:creationId xmlns:a16="http://schemas.microsoft.com/office/drawing/2014/main" id="{3068BFC7-8124-4BE5-886E-4A07504B5223}"/>
-              </a:ext>
-            </a:extLst>
-          </p:cNvPr>
+            <a:endParaRPr lang="en-US" dirty="0"/>
+          </a:p>
+        </p:txBody>
+      </p:sp>
+      <p:sp>
+        <p:nvSpPr>
+          <p:cNvPr id="4" name="Text Placeholder 3"/>
           <p:cNvSpPr>
             <a:spLocks noGrp="1"/>
           </p:cNvSpPr>
@@ -2304,8 +2026,8 @@
         </p:nvSpPr>
         <p:spPr>
           <a:xfrm>
-            <a:off x="839788" y="2057400"/>
-            <a:ext cx="3932237" cy="3811588"/>
+            <a:off x="787301" y="2571750"/>
+            <a:ext cx="3686473" cy="4764485"/>
           </a:xfrm>
         </p:spPr>
         <p:txBody>
@@ -2313,39 +2035,39 @@
           <a:lstStyle>
             <a:lvl1pPr marL="0" indent="0">
               <a:buNone/>
-              <a:defRPr sz="1600"/>
+              <a:defRPr sz="2000"/>
             </a:lvl1pPr>
-            <a:lvl2pPr marL="457200" indent="0">
-              <a:buNone/>
-              <a:defRPr sz="1400"/>
+            <a:lvl2pPr marL="571500" indent="0">
+              <a:buNone/>
+              <a:defRPr sz="1750"/>
             </a:lvl2pPr>
-            <a:lvl3pPr marL="914400" indent="0">
-              <a:buNone/>
-              <a:defRPr sz="1200"/>
+            <a:lvl3pPr marL="1143000" indent="0">
+              <a:buNone/>
+              <a:defRPr sz="1500"/>
             </a:lvl3pPr>
-            <a:lvl4pPr marL="1371600" indent="0">
-              <a:buNone/>
-              <a:defRPr sz="1000"/>
+            <a:lvl4pPr marL="1714500" indent="0">
+              <a:buNone/>
+              <a:defRPr sz="1250"/>
             </a:lvl4pPr>
-            <a:lvl5pPr marL="1828800" indent="0">
-              <a:buNone/>
-              <a:defRPr sz="1000"/>
+            <a:lvl5pPr marL="2286000" indent="0">
+              <a:buNone/>
+              <a:defRPr sz="1250"/>
             </a:lvl5pPr>
-            <a:lvl6pPr marL="2286000" indent="0">
-              <a:buNone/>
-              <a:defRPr sz="1000"/>
+            <a:lvl6pPr marL="2857500" indent="0">
+              <a:buNone/>
+              <a:defRPr sz="1250"/>
             </a:lvl6pPr>
-            <a:lvl7pPr marL="2743200" indent="0">
-              <a:buNone/>
-              <a:defRPr sz="1000"/>
+            <a:lvl7pPr marL="3429000" indent="0">
+              <a:buNone/>
+              <a:defRPr sz="1250"/>
             </a:lvl7pPr>
-            <a:lvl8pPr marL="3200400" indent="0">
-              <a:buNone/>
-              <a:defRPr sz="1000"/>
+            <a:lvl8pPr marL="4000500" indent="0">
+              <a:buNone/>
+              <a:defRPr sz="1250"/>
             </a:lvl8pPr>
-            <a:lvl9pPr marL="3657600" indent="0">
-              <a:buNone/>
-              <a:defRPr sz="1000"/>
+            <a:lvl9pPr marL="4572000" indent="0">
+              <a:buNone/>
+              <a:defRPr sz="1250"/>
             </a:lvl9pPr>
           </a:lstStyle>
           <a:p>
@@ -2359,13 +2081,7 @@
       </p:sp>
       <p:sp>
         <p:nvSpPr>
-          <p:cNvPr id="5" name="Date Placeholder 4">
-            <a:extLst>
-              <a:ext uri="{FF2B5EF4-FFF2-40B4-BE49-F238E27FC236}">
-                <a16:creationId xmlns:a16="http://schemas.microsoft.com/office/drawing/2014/main" id="{319C78C9-D88C-47FA-942B-D7BA88BB5432}"/>
-              </a:ext>
-            </a:extLst>
-          </p:cNvPr>
+          <p:cNvPr id="5" name="Date Placeholder 4"/>
           <p:cNvSpPr>
             <a:spLocks noGrp="1"/>
           </p:cNvSpPr>
@@ -2380,7 +2096,7 @@
           <a:p>
             <a:fld id="{8D291730-3569-4027-A8D7-C91FF762B74B}" type="datetimeFigureOut">
               <a:rPr lang="en-US" smtClean="0"/>
-              <a:t>5/11/2018</a:t>
+              <a:t>6/5/2018</a:t>
             </a:fld>
             <a:endParaRPr lang="en-US"/>
           </a:p>
@@ -2388,13 +2104,7 @@
       </p:sp>
       <p:sp>
         <p:nvSpPr>
-          <p:cNvPr id="6" name="Footer Placeholder 5">
-            <a:extLst>
-              <a:ext uri="{FF2B5EF4-FFF2-40B4-BE49-F238E27FC236}">
-                <a16:creationId xmlns:a16="http://schemas.microsoft.com/office/drawing/2014/main" id="{57B51B94-BDC3-40C4-B70E-D196B73C2E7E}"/>
-              </a:ext>
-            </a:extLst>
-          </p:cNvPr>
+          <p:cNvPr id="6" name="Footer Placeholder 5"/>
           <p:cNvSpPr>
             <a:spLocks noGrp="1"/>
           </p:cNvSpPr>
@@ -2413,13 +2123,7 @@
       </p:sp>
       <p:sp>
         <p:nvSpPr>
-          <p:cNvPr id="7" name="Slide Number Placeholder 6">
-            <a:extLst>
-              <a:ext uri="{FF2B5EF4-FFF2-40B4-BE49-F238E27FC236}">
-                <a16:creationId xmlns:a16="http://schemas.microsoft.com/office/drawing/2014/main" id="{EADBCF3C-7EB4-4611-90EF-B16490511EC6}"/>
-              </a:ext>
-            </a:extLst>
-          </p:cNvPr>
+          <p:cNvPr id="7" name="Slide Number Placeholder 6"/>
           <p:cNvSpPr>
             <a:spLocks noGrp="1"/>
           </p:cNvSpPr>
@@ -2443,7 +2147,7 @@
     </p:spTree>
     <p:extLst>
       <p:ext uri="{BB962C8B-B14F-4D97-AF65-F5344CB8AC3E}">
-        <p14:creationId xmlns:p14="http://schemas.microsoft.com/office/powerpoint/2010/main" val="233429210"/>
+        <p14:creationId xmlns:p14="http://schemas.microsoft.com/office/powerpoint/2010/main" val="1694121823"/>
       </p:ext>
     </p:extLst>
   </p:cSld>
@@ -2472,13 +2176,7 @@
       </p:grpSpPr>
       <p:sp>
         <p:nvSpPr>
-          <p:cNvPr id="2" name="Title 1">
-            <a:extLst>
-              <a:ext uri="{FF2B5EF4-FFF2-40B4-BE49-F238E27FC236}">
-                <a16:creationId xmlns:a16="http://schemas.microsoft.com/office/drawing/2014/main" id="{60B054DA-864F-42A9-B2FA-0EFCCE4CFA6D}"/>
-              </a:ext>
-            </a:extLst>
-          </p:cNvPr>
+          <p:cNvPr id="2" name="Title 1"/>
           <p:cNvSpPr>
             <a:spLocks noGrp="1"/>
           </p:cNvSpPr>
@@ -2488,15 +2186,15 @@
         </p:nvSpPr>
         <p:spPr>
           <a:xfrm>
-            <a:off x="839788" y="457200"/>
-            <a:ext cx="3932237" cy="1600200"/>
+            <a:off x="787301" y="571500"/>
+            <a:ext cx="3686473" cy="2000250"/>
           </a:xfrm>
         </p:spPr>
         <p:txBody>
           <a:bodyPr anchor="b"/>
           <a:lstStyle>
             <a:lvl1pPr>
-              <a:defRPr sz="3200"/>
+              <a:defRPr sz="4000"/>
             </a:lvl1pPr>
           </a:lstStyle>
           <a:p>
@@ -2504,20 +2202,15 @@
               <a:rPr lang="en-US"/>
               <a:t>Click to edit Master title style</a:t>
             </a:r>
-          </a:p>
-        </p:txBody>
-      </p:sp>
-      <p:sp>
-        <p:nvSpPr>
-          <p:cNvPr id="3" name="Picture Placeholder 2">
-            <a:extLst>
-              <a:ext uri="{FF2B5EF4-FFF2-40B4-BE49-F238E27FC236}">
-                <a16:creationId xmlns:a16="http://schemas.microsoft.com/office/drawing/2014/main" id="{8C505124-AF03-484B-9E21-7A6D220AA990}"/>
-              </a:ext>
-            </a:extLst>
-          </p:cNvPr>
-          <p:cNvSpPr>
-            <a:spLocks noGrp="1"/>
+            <a:endParaRPr lang="en-US" dirty="0"/>
+          </a:p>
+        </p:txBody>
+      </p:sp>
+      <p:sp>
+        <p:nvSpPr>
+          <p:cNvPr id="3" name="Picture Placeholder 2"/>
+          <p:cNvSpPr>
+            <a:spLocks noGrp="1" noChangeAspect="1"/>
           </p:cNvSpPr>
           <p:nvPr>
             <p:ph type="pic" idx="1"/>
@@ -2525,64 +2218,62 @@
         </p:nvSpPr>
         <p:spPr>
           <a:xfrm>
-            <a:off x="5183188" y="987425"/>
-            <a:ext cx="6172200" cy="4873625"/>
+            <a:off x="4859238" y="1234283"/>
+            <a:ext cx="5786438" cy="6092031"/>
           </a:xfrm>
         </p:spPr>
         <p:txBody>
-          <a:bodyPr/>
+          <a:bodyPr anchor="t"/>
           <a:lstStyle>
             <a:lvl1pPr marL="0" indent="0">
               <a:buNone/>
-              <a:defRPr sz="3200"/>
+              <a:defRPr sz="4000"/>
             </a:lvl1pPr>
-            <a:lvl2pPr marL="457200" indent="0">
-              <a:buNone/>
-              <a:defRPr sz="2800"/>
+            <a:lvl2pPr marL="571500" indent="0">
+              <a:buNone/>
+              <a:defRPr sz="3500"/>
             </a:lvl2pPr>
-            <a:lvl3pPr marL="914400" indent="0">
-              <a:buNone/>
-              <a:defRPr sz="2400"/>
+            <a:lvl3pPr marL="1143000" indent="0">
+              <a:buNone/>
+              <a:defRPr sz="3000"/>
             </a:lvl3pPr>
-            <a:lvl4pPr marL="1371600" indent="0">
-              <a:buNone/>
-              <a:defRPr sz="2000"/>
+            <a:lvl4pPr marL="1714500" indent="0">
+              <a:buNone/>
+              <a:defRPr sz="2500"/>
             </a:lvl4pPr>
-            <a:lvl5pPr marL="1828800" indent="0">
-              <a:buNone/>
-              <a:defRPr sz="2000"/>
+            <a:lvl5pPr marL="2286000" indent="0">
+              <a:buNone/>
+              <a:defRPr sz="2500"/>
             </a:lvl5pPr>
-            <a:lvl6pPr marL="2286000" indent="0">
-              <a:buNone/>
-              <a:defRPr sz="2000"/>
+            <a:lvl6pPr marL="2857500" indent="0">
+              <a:buNone/>
+              <a:defRPr sz="2500"/>
             </a:lvl6pPr>
-            <a:lvl7pPr marL="2743200" indent="0">
-              <a:buNone/>
-              <a:defRPr sz="2000"/>
+            <a:lvl7pPr marL="3429000" indent="0">
+              <a:buNone/>
+              <a:defRPr sz="2500"/>
             </a:lvl7pPr>
-            <a:lvl8pPr marL="3200400" indent="0">
-              <a:buNone/>
-              <a:defRPr sz="2000"/>
+            <a:lvl8pPr marL="4000500" indent="0">
+              <a:buNone/>
+              <a:defRPr sz="2500"/>
             </a:lvl8pPr>
-            <a:lvl9pPr marL="3657600" indent="0">
-              <a:buNone/>
-              <a:defRPr sz="2000"/>
+            <a:lvl9pPr marL="4572000" indent="0">
+              <a:buNone/>
+              <a:defRPr sz="2500"/>
             </a:lvl9pPr>
           </a:lstStyle>
           <a:p>
-            <a:endParaRPr lang="en-US"/>
-          </a:p>
-        </p:txBody>
-      </p:sp>
-      <p:sp>
-        <p:nvSpPr>
-          <p:cNvPr id="4" name="Text Placeholder 3">
-            <a:extLst>
-              <a:ext uri="{FF2B5EF4-FFF2-40B4-BE49-F238E27FC236}">
-                <a16:creationId xmlns:a16="http://schemas.microsoft.com/office/drawing/2014/main" id="{CFFC0D2D-D9BB-4A85-B0E3-4782AAED9A03}"/>
-              </a:ext>
-            </a:extLst>
-          </p:cNvPr>
+            <a:r>
+              <a:rPr lang="en-US"/>
+              <a:t>Click icon to add picture</a:t>
+            </a:r>
+            <a:endParaRPr lang="en-US" dirty="0"/>
+          </a:p>
+        </p:txBody>
+      </p:sp>
+      <p:sp>
+        <p:nvSpPr>
+          <p:cNvPr id="4" name="Text Placeholder 3"/>
           <p:cNvSpPr>
             <a:spLocks noGrp="1"/>
           </p:cNvSpPr>
@@ -2592,8 +2283,8 @@
         </p:nvSpPr>
         <p:spPr>
           <a:xfrm>
-            <a:off x="839788" y="2057400"/>
-            <a:ext cx="3932237" cy="3811588"/>
+            <a:off x="787301" y="2571750"/>
+            <a:ext cx="3686473" cy="4764485"/>
           </a:xfrm>
         </p:spPr>
         <p:txBody>
@@ -2601,39 +2292,39 @@
           <a:lstStyle>
             <a:lvl1pPr marL="0" indent="0">
               <a:buNone/>
-              <a:defRPr sz="1600"/>
+              <a:defRPr sz="2000"/>
             </a:lvl1pPr>
-            <a:lvl2pPr marL="457200" indent="0">
-              <a:buNone/>
-              <a:defRPr sz="1400"/>
+            <a:lvl2pPr marL="571500" indent="0">
+              <a:buNone/>
+              <a:defRPr sz="1750"/>
             </a:lvl2pPr>
-            <a:lvl3pPr marL="914400" indent="0">
-              <a:buNone/>
-              <a:defRPr sz="1200"/>
+            <a:lvl3pPr marL="1143000" indent="0">
+              <a:buNone/>
+              <a:defRPr sz="1500"/>
             </a:lvl3pPr>
-            <a:lvl4pPr marL="1371600" indent="0">
-              <a:buNone/>
-              <a:defRPr sz="1000"/>
+            <a:lvl4pPr marL="1714500" indent="0">
+              <a:buNone/>
+              <a:defRPr sz="1250"/>
             </a:lvl4pPr>
-            <a:lvl5pPr marL="1828800" indent="0">
-              <a:buNone/>
-              <a:defRPr sz="1000"/>
+            <a:lvl5pPr marL="2286000" indent="0">
+              <a:buNone/>
+              <a:defRPr sz="1250"/>
             </a:lvl5pPr>
-            <a:lvl6pPr marL="2286000" indent="0">
-              <a:buNone/>
-              <a:defRPr sz="1000"/>
+            <a:lvl6pPr marL="2857500" indent="0">
+              <a:buNone/>
+              <a:defRPr sz="1250"/>
             </a:lvl6pPr>
-            <a:lvl7pPr marL="2743200" indent="0">
-              <a:buNone/>
-              <a:defRPr sz="1000"/>
+            <a:lvl7pPr marL="3429000" indent="0">
+              <a:buNone/>
+              <a:defRPr sz="1250"/>
             </a:lvl7pPr>
-            <a:lvl8pPr marL="3200400" indent="0">
-              <a:buNone/>
-              <a:defRPr sz="1000"/>
+            <a:lvl8pPr marL="4000500" indent="0">
+              <a:buNone/>
+              <a:defRPr sz="1250"/>
             </a:lvl8pPr>
-            <a:lvl9pPr marL="3657600" indent="0">
-              <a:buNone/>
-              <a:defRPr sz="1000"/>
+            <a:lvl9pPr marL="4572000" indent="0">
+              <a:buNone/>
+              <a:defRPr sz="1250"/>
             </a:lvl9pPr>
           </a:lstStyle>
           <a:p>
@@ -2647,13 +2338,7 @@
       </p:sp>
       <p:sp>
         <p:nvSpPr>
-          <p:cNvPr id="5" name="Date Placeholder 4">
-            <a:extLst>
-              <a:ext uri="{FF2B5EF4-FFF2-40B4-BE49-F238E27FC236}">
-                <a16:creationId xmlns:a16="http://schemas.microsoft.com/office/drawing/2014/main" id="{27B7DDE3-4121-4F03-9C45-130DC5910364}"/>
-              </a:ext>
-            </a:extLst>
-          </p:cNvPr>
+          <p:cNvPr id="5" name="Date Placeholder 4"/>
           <p:cNvSpPr>
             <a:spLocks noGrp="1"/>
           </p:cNvSpPr>
@@ -2668,7 +2353,7 @@
           <a:p>
             <a:fld id="{8D291730-3569-4027-A8D7-C91FF762B74B}" type="datetimeFigureOut">
               <a:rPr lang="en-US" smtClean="0"/>
-              <a:t>5/11/2018</a:t>
+              <a:t>6/5/2018</a:t>
             </a:fld>
             <a:endParaRPr lang="en-US"/>
           </a:p>
@@ -2676,13 +2361,7 @@
       </p:sp>
       <p:sp>
         <p:nvSpPr>
-          <p:cNvPr id="6" name="Footer Placeholder 5">
-            <a:extLst>
-              <a:ext uri="{FF2B5EF4-FFF2-40B4-BE49-F238E27FC236}">
-                <a16:creationId xmlns:a16="http://schemas.microsoft.com/office/drawing/2014/main" id="{EE4CA740-485F-4D29-B31E-93C0D0B7F07B}"/>
-              </a:ext>
-            </a:extLst>
-          </p:cNvPr>
+          <p:cNvPr id="6" name="Footer Placeholder 5"/>
           <p:cNvSpPr>
             <a:spLocks noGrp="1"/>
           </p:cNvSpPr>
@@ -2701,13 +2380,7 @@
       </p:sp>
       <p:sp>
         <p:nvSpPr>
-          <p:cNvPr id="7" name="Slide Number Placeholder 6">
-            <a:extLst>
-              <a:ext uri="{FF2B5EF4-FFF2-40B4-BE49-F238E27FC236}">
-                <a16:creationId xmlns:a16="http://schemas.microsoft.com/office/drawing/2014/main" id="{79FB7251-A033-495E-A199-920957BB767D}"/>
-              </a:ext>
-            </a:extLst>
-          </p:cNvPr>
+          <p:cNvPr id="7" name="Slide Number Placeholder 6"/>
           <p:cNvSpPr>
             <a:spLocks noGrp="1"/>
           </p:cNvSpPr>
@@ -2731,7 +2404,7 @@
     </p:spTree>
     <p:extLst>
       <p:ext uri="{BB962C8B-B14F-4D97-AF65-F5344CB8AC3E}">
-        <p14:creationId xmlns:p14="http://schemas.microsoft.com/office/powerpoint/2010/main" val="2504777446"/>
+        <p14:creationId xmlns:p14="http://schemas.microsoft.com/office/powerpoint/2010/main" val="22180695"/>
       </p:ext>
     </p:extLst>
   </p:cSld>
@@ -2765,13 +2438,7 @@
       </p:grpSpPr>
       <p:sp>
         <p:nvSpPr>
-          <p:cNvPr id="2" name="Title Placeholder 1">
-            <a:extLst>
-              <a:ext uri="{FF2B5EF4-FFF2-40B4-BE49-F238E27FC236}">
-                <a16:creationId xmlns:a16="http://schemas.microsoft.com/office/drawing/2014/main" id="{4CAFC4C5-4754-4076-A9F6-F2009D18B7D6}"/>
-              </a:ext>
-            </a:extLst>
-          </p:cNvPr>
+          <p:cNvPr id="2" name="Title Placeholder 1"/>
           <p:cNvSpPr>
             <a:spLocks noGrp="1"/>
           </p:cNvSpPr>
@@ -2781,8 +2448,8 @@
         </p:nvSpPr>
         <p:spPr>
           <a:xfrm>
-            <a:off x="838200" y="365125"/>
-            <a:ext cx="10515600" cy="1325563"/>
+            <a:off x="785813" y="456408"/>
+            <a:ext cx="9858375" cy="1656954"/>
           </a:xfrm>
           <a:prstGeom prst="rect">
             <a:avLst/>
@@ -2798,18 +2465,13 @@
               <a:rPr lang="en-US"/>
               <a:t>Click to edit Master title style</a:t>
             </a:r>
-          </a:p>
-        </p:txBody>
-      </p:sp>
-      <p:sp>
-        <p:nvSpPr>
-          <p:cNvPr id="3" name="Text Placeholder 2">
-            <a:extLst>
-              <a:ext uri="{FF2B5EF4-FFF2-40B4-BE49-F238E27FC236}">
-                <a16:creationId xmlns:a16="http://schemas.microsoft.com/office/drawing/2014/main" id="{53A44D34-7BE1-4B0A-B27F-BCDED2BE8DEC}"/>
-              </a:ext>
-            </a:extLst>
-          </p:cNvPr>
+            <a:endParaRPr lang="en-US" dirty="0"/>
+          </a:p>
+        </p:txBody>
+      </p:sp>
+      <p:sp>
+        <p:nvSpPr>
+          <p:cNvPr id="3" name="Text Placeholder 2"/>
           <p:cNvSpPr>
             <a:spLocks noGrp="1"/>
           </p:cNvSpPr>
@@ -2819,8 +2481,8 @@
         </p:nvSpPr>
         <p:spPr>
           <a:xfrm>
-            <a:off x="838200" y="1825625"/>
-            <a:ext cx="10515600" cy="4351338"/>
+            <a:off x="785813" y="2282031"/>
+            <a:ext cx="9858375" cy="5439173"/>
           </a:xfrm>
           <a:prstGeom prst="rect">
             <a:avLst/>
@@ -2865,18 +2527,13 @@
               <a:rPr lang="en-US"/>
               <a:t>Fifth level</a:t>
             </a:r>
-          </a:p>
-        </p:txBody>
-      </p:sp>
-      <p:sp>
-        <p:nvSpPr>
-          <p:cNvPr id="4" name="Date Placeholder 3">
-            <a:extLst>
-              <a:ext uri="{FF2B5EF4-FFF2-40B4-BE49-F238E27FC236}">
-                <a16:creationId xmlns:a16="http://schemas.microsoft.com/office/drawing/2014/main" id="{F58F6280-FA03-42FF-8B78-104552BE55B7}"/>
-              </a:ext>
-            </a:extLst>
-          </p:cNvPr>
+            <a:endParaRPr lang="en-US" dirty="0"/>
+          </a:p>
+        </p:txBody>
+      </p:sp>
+      <p:sp>
+        <p:nvSpPr>
+          <p:cNvPr id="4" name="Date Placeholder 3"/>
           <p:cNvSpPr>
             <a:spLocks noGrp="1"/>
           </p:cNvSpPr>
@@ -2886,8 +2543,8 @@
         </p:nvSpPr>
         <p:spPr>
           <a:xfrm>
-            <a:off x="838200" y="6356350"/>
-            <a:ext cx="2743200" cy="365125"/>
+            <a:off x="785813" y="7945440"/>
+            <a:ext cx="2571750" cy="456406"/>
           </a:xfrm>
           <a:prstGeom prst="rect">
             <a:avLst/>
@@ -2897,7 +2554,7 @@
           <a:bodyPr vert="horz" lIns="91440" tIns="45720" rIns="91440" bIns="45720" rtlCol="0" anchor="ctr"/>
           <a:lstStyle>
             <a:lvl1pPr algn="l">
-              <a:defRPr sz="1200">
+              <a:defRPr sz="1500">
                 <a:solidFill>
                   <a:schemeClr val="tx1">
                     <a:tint val="75000"/>
@@ -2909,7 +2566,7 @@
           <a:p>
             <a:fld id="{8D291730-3569-4027-A8D7-C91FF762B74B}" type="datetimeFigureOut">
               <a:rPr lang="en-US" smtClean="0"/>
-              <a:t>5/11/2018</a:t>
+              <a:t>6/5/2018</a:t>
             </a:fld>
             <a:endParaRPr lang="en-US"/>
           </a:p>
@@ -2917,13 +2574,7 @@
       </p:sp>
       <p:sp>
         <p:nvSpPr>
-          <p:cNvPr id="5" name="Footer Placeholder 4">
-            <a:extLst>
-              <a:ext uri="{FF2B5EF4-FFF2-40B4-BE49-F238E27FC236}">
-                <a16:creationId xmlns:a16="http://schemas.microsoft.com/office/drawing/2014/main" id="{882750E3-C119-4406-890A-DCC04E6A0788}"/>
-              </a:ext>
-            </a:extLst>
-          </p:cNvPr>
+          <p:cNvPr id="5" name="Footer Placeholder 4"/>
           <p:cNvSpPr>
             <a:spLocks noGrp="1"/>
           </p:cNvSpPr>
@@ -2933,8 +2584,8 @@
         </p:nvSpPr>
         <p:spPr>
           <a:xfrm>
-            <a:off x="4038600" y="6356350"/>
-            <a:ext cx="4114800" cy="365125"/>
+            <a:off x="3786188" y="7945440"/>
+            <a:ext cx="3857625" cy="456406"/>
           </a:xfrm>
           <a:prstGeom prst="rect">
             <a:avLst/>
@@ -2944,7 +2595,7 @@
           <a:bodyPr vert="horz" lIns="91440" tIns="45720" rIns="91440" bIns="45720" rtlCol="0" anchor="ctr"/>
           <a:lstStyle>
             <a:lvl1pPr algn="ctr">
-              <a:defRPr sz="1200">
+              <a:defRPr sz="1500">
                 <a:solidFill>
                   <a:schemeClr val="tx1">
                     <a:tint val="75000"/>
@@ -2960,13 +2611,7 @@
       </p:sp>
       <p:sp>
         <p:nvSpPr>
-          <p:cNvPr id="6" name="Slide Number Placeholder 5">
-            <a:extLst>
-              <a:ext uri="{FF2B5EF4-FFF2-40B4-BE49-F238E27FC236}">
-                <a16:creationId xmlns:a16="http://schemas.microsoft.com/office/drawing/2014/main" id="{81B674DE-2049-4944-A4D5-7E113FBA7443}"/>
-              </a:ext>
-            </a:extLst>
-          </p:cNvPr>
+          <p:cNvPr id="6" name="Slide Number Placeholder 5"/>
           <p:cNvSpPr>
             <a:spLocks noGrp="1"/>
           </p:cNvSpPr>
@@ -2976,8 +2621,8 @@
         </p:nvSpPr>
         <p:spPr>
           <a:xfrm>
-            <a:off x="8610600" y="6356350"/>
-            <a:ext cx="2743200" cy="365125"/>
+            <a:off x="8072438" y="7945440"/>
+            <a:ext cx="2571750" cy="456406"/>
           </a:xfrm>
           <a:prstGeom prst="rect">
             <a:avLst/>
@@ -2987,7 +2632,7 @@
           <a:bodyPr vert="horz" lIns="91440" tIns="45720" rIns="91440" bIns="45720" rtlCol="0" anchor="ctr"/>
           <a:lstStyle>
             <a:lvl1pPr algn="r">
-              <a:defRPr sz="1200">
+              <a:defRPr sz="1500">
                 <a:solidFill>
                   <a:schemeClr val="tx1">
                     <a:tint val="75000"/>
@@ -3008,27 +2653,27 @@
     </p:spTree>
     <p:extLst>
       <p:ext uri="{BB962C8B-B14F-4D97-AF65-F5344CB8AC3E}">
-        <p14:creationId xmlns:p14="http://schemas.microsoft.com/office/powerpoint/2010/main" val="3532204036"/>
+        <p14:creationId xmlns:p14="http://schemas.microsoft.com/office/powerpoint/2010/main" val="3050598164"/>
       </p:ext>
     </p:extLst>
   </p:cSld>
   <p:clrMap bg1="lt1" tx1="dk1" bg2="lt2" tx2="dk2" accent1="accent1" accent2="accent2" accent3="accent3" accent4="accent4" accent5="accent5" accent6="accent6" hlink="hlink" folHlink="folHlink"/>
   <p:sldLayoutIdLst>
-    <p:sldLayoutId id="2147483649" r:id="rId1"/>
-    <p:sldLayoutId id="2147483650" r:id="rId2"/>
-    <p:sldLayoutId id="2147483651" r:id="rId3"/>
-    <p:sldLayoutId id="2147483652" r:id="rId4"/>
-    <p:sldLayoutId id="2147483653" r:id="rId5"/>
-    <p:sldLayoutId id="2147483654" r:id="rId6"/>
-    <p:sldLayoutId id="2147483655" r:id="rId7"/>
-    <p:sldLayoutId id="2147483656" r:id="rId8"/>
-    <p:sldLayoutId id="2147483657" r:id="rId9"/>
-    <p:sldLayoutId id="2147483658" r:id="rId10"/>
-    <p:sldLayoutId id="2147483659" r:id="rId11"/>
+    <p:sldLayoutId id="2147483661" r:id="rId1"/>
+    <p:sldLayoutId id="2147483662" r:id="rId2"/>
+    <p:sldLayoutId id="2147483663" r:id="rId3"/>
+    <p:sldLayoutId id="2147483664" r:id="rId4"/>
+    <p:sldLayoutId id="2147483665" r:id="rId5"/>
+    <p:sldLayoutId id="2147483666" r:id="rId6"/>
+    <p:sldLayoutId id="2147483667" r:id="rId7"/>
+    <p:sldLayoutId id="2147483668" r:id="rId8"/>
+    <p:sldLayoutId id="2147483669" r:id="rId9"/>
+    <p:sldLayoutId id="2147483670" r:id="rId10"/>
+    <p:sldLayoutId id="2147483671" r:id="rId11"/>
   </p:sldLayoutIdLst>
   <p:txStyles>
     <p:titleStyle>
-      <a:lvl1pPr algn="l" defTabSz="914400" rtl="0" eaLnBrk="1" latinLnBrk="0" hangingPunct="1">
+      <a:lvl1pPr algn="l" defTabSz="1143000" rtl="0" eaLnBrk="1" latinLnBrk="0" hangingPunct="1">
         <a:lnSpc>
           <a:spcPct val="90000"/>
         </a:lnSpc>
@@ -3036,7 +2681,7 @@
           <a:spcPct val="0"/>
         </a:spcBef>
         <a:buNone/>
-        <a:defRPr sz="4400" kern="1200">
+        <a:defRPr sz="5500" kern="1200">
           <a:solidFill>
             <a:schemeClr val="tx1"/>
           </a:solidFill>
@@ -3047,16 +2692,16 @@
       </a:lvl1pPr>
     </p:titleStyle>
     <p:bodyStyle>
-      <a:lvl1pPr marL="228600" indent="-228600" algn="l" defTabSz="914400" rtl="0" eaLnBrk="1" latinLnBrk="0" hangingPunct="1">
+      <a:lvl1pPr marL="285750" indent="-285750" algn="l" defTabSz="1143000" rtl="0" eaLnBrk="1" latinLnBrk="0" hangingPunct="1">
         <a:lnSpc>
           <a:spcPct val="90000"/>
         </a:lnSpc>
         <a:spcBef>
-          <a:spcPts val="1000"/>
+          <a:spcPts val="1250"/>
         </a:spcBef>
         <a:buFont typeface="Arial" panose="020B0604020202020204" pitchFamily="34" charset="0"/>
         <a:buChar char="•"/>
-        <a:defRPr sz="2800" kern="1200">
+        <a:defRPr sz="3500" kern="1200">
           <a:solidFill>
             <a:schemeClr val="tx1"/>
           </a:solidFill>
@@ -3065,16 +2710,16 @@
           <a:cs typeface="+mn-cs"/>
         </a:defRPr>
       </a:lvl1pPr>
-      <a:lvl2pPr marL="685800" indent="-228600" algn="l" defTabSz="914400" rtl="0" eaLnBrk="1" latinLnBrk="0" hangingPunct="1">
+      <a:lvl2pPr marL="857250" indent="-285750" algn="l" defTabSz="1143000" rtl="0" eaLnBrk="1" latinLnBrk="0" hangingPunct="1">
         <a:lnSpc>
           <a:spcPct val="90000"/>
         </a:lnSpc>
         <a:spcBef>
-          <a:spcPts val="500"/>
+          <a:spcPts val="625"/>
         </a:spcBef>
         <a:buFont typeface="Arial" panose="020B0604020202020204" pitchFamily="34" charset="0"/>
         <a:buChar char="•"/>
-        <a:defRPr sz="2400" kern="1200">
+        <a:defRPr sz="3000" kern="1200">
           <a:solidFill>
             <a:schemeClr val="tx1"/>
           </a:solidFill>
@@ -3083,16 +2728,16 @@
           <a:cs typeface="+mn-cs"/>
         </a:defRPr>
       </a:lvl2pPr>
-      <a:lvl3pPr marL="1143000" indent="-228600" algn="l" defTabSz="914400" rtl="0" eaLnBrk="1" latinLnBrk="0" hangingPunct="1">
+      <a:lvl3pPr marL="1428750" indent="-285750" algn="l" defTabSz="1143000" rtl="0" eaLnBrk="1" latinLnBrk="0" hangingPunct="1">
         <a:lnSpc>
           <a:spcPct val="90000"/>
         </a:lnSpc>
         <a:spcBef>
-          <a:spcPts val="500"/>
+          <a:spcPts val="625"/>
         </a:spcBef>
         <a:buFont typeface="Arial" panose="020B0604020202020204" pitchFamily="34" charset="0"/>
         <a:buChar char="•"/>
-        <a:defRPr sz="2000" kern="1200">
+        <a:defRPr sz="2500" kern="1200">
           <a:solidFill>
             <a:schemeClr val="tx1"/>
           </a:solidFill>
@@ -3101,16 +2746,16 @@
           <a:cs typeface="+mn-cs"/>
         </a:defRPr>
       </a:lvl3pPr>
-      <a:lvl4pPr marL="1600200" indent="-228600" algn="l" defTabSz="914400" rtl="0" eaLnBrk="1" latinLnBrk="0" hangingPunct="1">
+      <a:lvl4pPr marL="2000250" indent="-285750" algn="l" defTabSz="1143000" rtl="0" eaLnBrk="1" latinLnBrk="0" hangingPunct="1">
         <a:lnSpc>
           <a:spcPct val="90000"/>
         </a:lnSpc>
         <a:spcBef>
-          <a:spcPts val="500"/>
+          <a:spcPts val="625"/>
         </a:spcBef>
         <a:buFont typeface="Arial" panose="020B0604020202020204" pitchFamily="34" charset="0"/>
         <a:buChar char="•"/>
-        <a:defRPr sz="1800" kern="1200">
+        <a:defRPr sz="2250" kern="1200">
           <a:solidFill>
             <a:schemeClr val="tx1"/>
           </a:solidFill>
@@ -3119,16 +2764,16 @@
           <a:cs typeface="+mn-cs"/>
         </a:defRPr>
       </a:lvl4pPr>
-      <a:lvl5pPr marL="2057400" indent="-228600" algn="l" defTabSz="914400" rtl="0" eaLnBrk="1" latinLnBrk="0" hangingPunct="1">
+      <a:lvl5pPr marL="2571750" indent="-285750" algn="l" defTabSz="1143000" rtl="0" eaLnBrk="1" latinLnBrk="0" hangingPunct="1">
         <a:lnSpc>
           <a:spcPct val="90000"/>
         </a:lnSpc>
         <a:spcBef>
-          <a:spcPts val="500"/>
+          <a:spcPts val="625"/>
         </a:spcBef>
         <a:buFont typeface="Arial" panose="020B0604020202020204" pitchFamily="34" charset="0"/>
         <a:buChar char="•"/>
-        <a:defRPr sz="1800" kern="1200">
+        <a:defRPr sz="2250" kern="1200">
           <a:solidFill>
             <a:schemeClr val="tx1"/>
           </a:solidFill>
@@ -3137,16 +2782,16 @@
           <a:cs typeface="+mn-cs"/>
         </a:defRPr>
       </a:lvl5pPr>
-      <a:lvl6pPr marL="2514600" indent="-228600" algn="l" defTabSz="914400" rtl="0" eaLnBrk="1" latinLnBrk="0" hangingPunct="1">
+      <a:lvl6pPr marL="3143250" indent="-285750" algn="l" defTabSz="1143000" rtl="0" eaLnBrk="1" latinLnBrk="0" hangingPunct="1">
         <a:lnSpc>
           <a:spcPct val="90000"/>
         </a:lnSpc>
         <a:spcBef>
-          <a:spcPts val="500"/>
+          <a:spcPts val="625"/>
         </a:spcBef>
         <a:buFont typeface="Arial" panose="020B0604020202020204" pitchFamily="34" charset="0"/>
         <a:buChar char="•"/>
-        <a:defRPr sz="1800" kern="1200">
+        <a:defRPr sz="2250" kern="1200">
           <a:solidFill>
             <a:schemeClr val="tx1"/>
           </a:solidFill>
@@ -3155,16 +2800,16 @@
           <a:cs typeface="+mn-cs"/>
         </a:defRPr>
       </a:lvl6pPr>
-      <a:lvl7pPr marL="2971800" indent="-228600" algn="l" defTabSz="914400" rtl="0" eaLnBrk="1" latinLnBrk="0" hangingPunct="1">
+      <a:lvl7pPr marL="3714750" indent="-285750" algn="l" defTabSz="1143000" rtl="0" eaLnBrk="1" latinLnBrk="0" hangingPunct="1">
         <a:lnSpc>
           <a:spcPct val="90000"/>
         </a:lnSpc>
         <a:spcBef>
-          <a:spcPts val="500"/>
+          <a:spcPts val="625"/>
         </a:spcBef>
         <a:buFont typeface="Arial" panose="020B0604020202020204" pitchFamily="34" charset="0"/>
         <a:buChar char="•"/>
-        <a:defRPr sz="1800" kern="1200">
+        <a:defRPr sz="2250" kern="1200">
           <a:solidFill>
             <a:schemeClr val="tx1"/>
           </a:solidFill>
@@ -3173,16 +2818,16 @@
           <a:cs typeface="+mn-cs"/>
         </a:defRPr>
       </a:lvl7pPr>
-      <a:lvl8pPr marL="3429000" indent="-228600" algn="l" defTabSz="914400" rtl="0" eaLnBrk="1" latinLnBrk="0" hangingPunct="1">
+      <a:lvl8pPr marL="4286250" indent="-285750" algn="l" defTabSz="1143000" rtl="0" eaLnBrk="1" latinLnBrk="0" hangingPunct="1">
         <a:lnSpc>
           <a:spcPct val="90000"/>
         </a:lnSpc>
         <a:spcBef>
-          <a:spcPts val="500"/>
+          <a:spcPts val="625"/>
         </a:spcBef>
         <a:buFont typeface="Arial" panose="020B0604020202020204" pitchFamily="34" charset="0"/>
         <a:buChar char="•"/>
-        <a:defRPr sz="1800" kern="1200">
+        <a:defRPr sz="2250" kern="1200">
           <a:solidFill>
             <a:schemeClr val="tx1"/>
           </a:solidFill>
@@ -3191,16 +2836,16 @@
           <a:cs typeface="+mn-cs"/>
         </a:defRPr>
       </a:lvl8pPr>
-      <a:lvl9pPr marL="3886200" indent="-228600" algn="l" defTabSz="914400" rtl="0" eaLnBrk="1" latinLnBrk="0" hangingPunct="1">
+      <a:lvl9pPr marL="4857750" indent="-285750" algn="l" defTabSz="1143000" rtl="0" eaLnBrk="1" latinLnBrk="0" hangingPunct="1">
         <a:lnSpc>
           <a:spcPct val="90000"/>
         </a:lnSpc>
         <a:spcBef>
-          <a:spcPts val="500"/>
+          <a:spcPts val="625"/>
         </a:spcBef>
         <a:buFont typeface="Arial" panose="020B0604020202020204" pitchFamily="34" charset="0"/>
         <a:buChar char="•"/>
-        <a:defRPr sz="1800" kern="1200">
+        <a:defRPr sz="2250" kern="1200">
           <a:solidFill>
             <a:schemeClr val="tx1"/>
           </a:solidFill>
@@ -3214,8 +2859,8 @@
       <a:defPPr>
         <a:defRPr lang="en-US"/>
       </a:defPPr>
-      <a:lvl1pPr marL="0" algn="l" defTabSz="914400" rtl="0" eaLnBrk="1" latinLnBrk="0" hangingPunct="1">
-        <a:defRPr sz="1800" kern="1200">
+      <a:lvl1pPr marL="0" algn="l" defTabSz="1143000" rtl="0" eaLnBrk="1" latinLnBrk="0" hangingPunct="1">
+        <a:defRPr sz="2250" kern="1200">
           <a:solidFill>
             <a:schemeClr val="tx1"/>
           </a:solidFill>
@@ -3224,8 +2869,8 @@
           <a:cs typeface="+mn-cs"/>
         </a:defRPr>
       </a:lvl1pPr>
-      <a:lvl2pPr marL="457200" algn="l" defTabSz="914400" rtl="0" eaLnBrk="1" latinLnBrk="0" hangingPunct="1">
-        <a:defRPr sz="1800" kern="1200">
+      <a:lvl2pPr marL="571500" algn="l" defTabSz="1143000" rtl="0" eaLnBrk="1" latinLnBrk="0" hangingPunct="1">
+        <a:defRPr sz="2250" kern="1200">
           <a:solidFill>
             <a:schemeClr val="tx1"/>
           </a:solidFill>
@@ -3234,8 +2879,8 @@
           <a:cs typeface="+mn-cs"/>
         </a:defRPr>
       </a:lvl2pPr>
-      <a:lvl3pPr marL="914400" algn="l" defTabSz="914400" rtl="0" eaLnBrk="1" latinLnBrk="0" hangingPunct="1">
-        <a:defRPr sz="1800" kern="1200">
+      <a:lvl3pPr marL="1143000" algn="l" defTabSz="1143000" rtl="0" eaLnBrk="1" latinLnBrk="0" hangingPunct="1">
+        <a:defRPr sz="2250" kern="1200">
           <a:solidFill>
             <a:schemeClr val="tx1"/>
           </a:solidFill>
@@ -3244,8 +2889,8 @@
           <a:cs typeface="+mn-cs"/>
         </a:defRPr>
       </a:lvl3pPr>
-      <a:lvl4pPr marL="1371600" algn="l" defTabSz="914400" rtl="0" eaLnBrk="1" latinLnBrk="0" hangingPunct="1">
-        <a:defRPr sz="1800" kern="1200">
+      <a:lvl4pPr marL="1714500" algn="l" defTabSz="1143000" rtl="0" eaLnBrk="1" latinLnBrk="0" hangingPunct="1">
+        <a:defRPr sz="2250" kern="1200">
           <a:solidFill>
             <a:schemeClr val="tx1"/>
           </a:solidFill>
@@ -3254,8 +2899,8 @@
           <a:cs typeface="+mn-cs"/>
         </a:defRPr>
       </a:lvl4pPr>
-      <a:lvl5pPr marL="1828800" algn="l" defTabSz="914400" rtl="0" eaLnBrk="1" latinLnBrk="0" hangingPunct="1">
-        <a:defRPr sz="1800" kern="1200">
+      <a:lvl5pPr marL="2286000" algn="l" defTabSz="1143000" rtl="0" eaLnBrk="1" latinLnBrk="0" hangingPunct="1">
+        <a:defRPr sz="2250" kern="1200">
           <a:solidFill>
             <a:schemeClr val="tx1"/>
           </a:solidFill>
@@ -3264,8 +2909,8 @@
           <a:cs typeface="+mn-cs"/>
         </a:defRPr>
       </a:lvl5pPr>
-      <a:lvl6pPr marL="2286000" algn="l" defTabSz="914400" rtl="0" eaLnBrk="1" latinLnBrk="0" hangingPunct="1">
-        <a:defRPr sz="1800" kern="1200">
+      <a:lvl6pPr marL="2857500" algn="l" defTabSz="1143000" rtl="0" eaLnBrk="1" latinLnBrk="0" hangingPunct="1">
+        <a:defRPr sz="2250" kern="1200">
           <a:solidFill>
             <a:schemeClr val="tx1"/>
           </a:solidFill>
@@ -3274,8 +2919,8 @@
           <a:cs typeface="+mn-cs"/>
         </a:defRPr>
       </a:lvl6pPr>
-      <a:lvl7pPr marL="2743200" algn="l" defTabSz="914400" rtl="0" eaLnBrk="1" latinLnBrk="0" hangingPunct="1">
-        <a:defRPr sz="1800" kern="1200">
+      <a:lvl7pPr marL="3429000" algn="l" defTabSz="1143000" rtl="0" eaLnBrk="1" latinLnBrk="0" hangingPunct="1">
+        <a:defRPr sz="2250" kern="1200">
           <a:solidFill>
             <a:schemeClr val="tx1"/>
           </a:solidFill>
@@ -3284,8 +2929,8 @@
           <a:cs typeface="+mn-cs"/>
         </a:defRPr>
       </a:lvl7pPr>
-      <a:lvl8pPr marL="3200400" algn="l" defTabSz="914400" rtl="0" eaLnBrk="1" latinLnBrk="0" hangingPunct="1">
-        <a:defRPr sz="1800" kern="1200">
+      <a:lvl8pPr marL="4000500" algn="l" defTabSz="1143000" rtl="0" eaLnBrk="1" latinLnBrk="0" hangingPunct="1">
+        <a:defRPr sz="2250" kern="1200">
           <a:solidFill>
             <a:schemeClr val="tx1"/>
           </a:solidFill>
@@ -3294,8 +2939,8 @@
           <a:cs typeface="+mn-cs"/>
         </a:defRPr>
       </a:lvl8pPr>
-      <a:lvl9pPr marL="3657600" algn="l" defTabSz="914400" rtl="0" eaLnBrk="1" latinLnBrk="0" hangingPunct="1">
-        <a:defRPr sz="1800" kern="1200">
+      <a:lvl9pPr marL="4572000" algn="l" defTabSz="1143000" rtl="0" eaLnBrk="1" latinLnBrk="0" hangingPunct="1">
+        <a:defRPr sz="2250" kern="1200">
           <a:solidFill>
             <a:schemeClr val="tx1"/>
           </a:solidFill>
@@ -3316,7 +2961,6 @@
       <p:bgPr>
         <a:blipFill dpi="0" rotWithShape="1">
           <a:blip r:embed="rId2">
-            <a:alphaModFix amt="20000"/>
             <a:lum/>
           </a:blip>
           <a:srcRect/>
@@ -3343,6 +2987,96 @@
       </p:grpSpPr>
       <p:sp>
         <p:nvSpPr>
+          <p:cNvPr id="6" name="Rectangle: Rounded Corners 5">
+            <a:extLst>
+              <a:ext uri="{FF2B5EF4-FFF2-40B4-BE49-F238E27FC236}">
+                <a16:creationId xmlns:a16="http://schemas.microsoft.com/office/drawing/2014/main" id="{32A12C11-A73A-4B0E-BB63-2465ADAC479E}"/>
+              </a:ext>
+            </a:extLst>
+          </p:cNvPr>
+          <p:cNvSpPr/>
+          <p:nvPr/>
+        </p:nvSpPr>
+        <p:spPr>
+          <a:xfrm>
+            <a:off x="1153113" y="4005988"/>
+            <a:ext cx="9144000" cy="2069703"/>
+          </a:xfrm>
+          <a:prstGeom prst="roundRect">
+            <a:avLst/>
+          </a:prstGeom>
+          <a:ln/>
+        </p:spPr>
+        <p:style>
+          <a:lnRef idx="2">
+            <a:schemeClr val="accent1"/>
+          </a:lnRef>
+          <a:fillRef idx="1">
+            <a:schemeClr val="lt1"/>
+          </a:fillRef>
+          <a:effectRef idx="0">
+            <a:schemeClr val="accent1"/>
+          </a:effectRef>
+          <a:fontRef idx="minor">
+            <a:schemeClr val="dk1"/>
+          </a:fontRef>
+        </p:style>
+        <p:txBody>
+          <a:bodyPr rtlCol="0" anchor="ctr"/>
+          <a:lstStyle/>
+          <a:p>
+            <a:pPr algn="ctr"/>
+            <a:endParaRPr lang="en-US"/>
+          </a:p>
+        </p:txBody>
+      </p:sp>
+      <p:sp>
+        <p:nvSpPr>
+          <p:cNvPr id="4" name="Rectangle: Rounded Corners 3">
+            <a:extLst>
+              <a:ext uri="{FF2B5EF4-FFF2-40B4-BE49-F238E27FC236}">
+                <a16:creationId xmlns:a16="http://schemas.microsoft.com/office/drawing/2014/main" id="{F8128867-4C74-439C-B8E1-17CE1BE8EEB2}"/>
+              </a:ext>
+            </a:extLst>
+          </p:cNvPr>
+          <p:cNvSpPr/>
+          <p:nvPr/>
+        </p:nvSpPr>
+        <p:spPr>
+          <a:xfrm>
+            <a:off x="1153113" y="1160172"/>
+            <a:ext cx="9144000" cy="2550182"/>
+          </a:xfrm>
+          <a:prstGeom prst="roundRect">
+            <a:avLst/>
+          </a:prstGeom>
+          <a:ln/>
+        </p:spPr>
+        <p:style>
+          <a:lnRef idx="2">
+            <a:schemeClr val="dk1"/>
+          </a:lnRef>
+          <a:fillRef idx="1">
+            <a:schemeClr val="lt1"/>
+          </a:fillRef>
+          <a:effectRef idx="0">
+            <a:schemeClr val="dk1"/>
+          </a:effectRef>
+          <a:fontRef idx="minor">
+            <a:schemeClr val="dk1"/>
+          </a:fontRef>
+        </p:style>
+        <p:txBody>
+          <a:bodyPr rtlCol="0" anchor="ctr"/>
+          <a:lstStyle/>
+          <a:p>
+            <a:pPr algn="ctr"/>
+            <a:endParaRPr lang="en-US"/>
+          </a:p>
+        </p:txBody>
+      </p:sp>
+      <p:sp>
+        <p:nvSpPr>
           <p:cNvPr id="2" name="Title 1">
             <a:extLst>
               <a:ext uri="{FF2B5EF4-FFF2-40B4-BE49-F238E27FC236}">
@@ -3357,18 +3091,28 @@
             <p:ph type="ctrTitle"/>
           </p:nvPr>
         </p:nvSpPr>
-        <p:spPr/>
-        <p:txBody>
-          <a:bodyPr/>
+        <p:spPr>
+          <a:xfrm>
+            <a:off x="1153113" y="1160172"/>
+            <a:ext cx="9144000" cy="2387204"/>
+          </a:xfrm>
+        </p:spPr>
+        <p:txBody>
+          <a:bodyPr>
+            <a:normAutofit/>
+          </a:bodyPr>
           <a:lstStyle/>
           <a:p>
             <a:r>
               <a:rPr lang="en-US" dirty="0">
-                <a:latin typeface="Arial Black" panose="020B0A04020102020204" pitchFamily="34" charset="0"/>
+                <a:solidFill>
+                  <a:srgbClr val="00B0F0"/>
+                </a:solidFill>
+                <a:latin typeface="Segoe UI" panose="020B0502040204020203" pitchFamily="34" charset="0"/>
+                <a:cs typeface="Segoe UI" panose="020B0502040204020203" pitchFamily="34" charset="0"/>
               </a:rPr>
               <a:t>Agile Teamwork with Office 365 Planner</a:t>
             </a:r>
-            <a:endParaRPr lang="en-US" dirty="0"/>
           </a:p>
         </p:txBody>
       </p:sp>
@@ -3388,15 +3132,70 @@
             <p:ph type="subTitle" idx="1"/>
           </p:nvPr>
         </p:nvSpPr>
-        <p:spPr/>
-        <p:txBody>
-          <a:bodyPr/>
-          <a:lstStyle/>
-          <a:p>
-            <a:r>
-              <a:rPr lang="en-US" dirty="0"/>
+        <p:spPr>
+          <a:xfrm>
+            <a:off x="1428750" y="4222285"/>
+            <a:ext cx="8572500" cy="2069703"/>
+          </a:xfrm>
+        </p:spPr>
+        <p:txBody>
+          <a:bodyPr/>
+          <a:lstStyle/>
+          <a:p>
+            <a:r>
+              <a:rPr lang="en-US" dirty="0">
+                <a:solidFill>
+                  <a:srgbClr val="00B0F0"/>
+                </a:solidFill>
+                <a:latin typeface="Segoe UI Light" panose="020B0502040204020203" pitchFamily="34" charset="0"/>
+                <a:cs typeface="Segoe UI Light" panose="020B0502040204020203" pitchFamily="34" charset="0"/>
+              </a:rPr>
               <a:t>Microsoft Planner is designed around teamwork. In Microsoft Planner, a team can work together while staying organized, assigning tasks, sharing files, and chat about the project directly in the app. </a:t>
             </a:r>
+          </a:p>
+        </p:txBody>
+      </p:sp>
+      <p:sp>
+        <p:nvSpPr>
+          <p:cNvPr id="7" name="Oval 6">
+            <a:extLst>
+              <a:ext uri="{FF2B5EF4-FFF2-40B4-BE49-F238E27FC236}">
+                <a16:creationId xmlns:a16="http://schemas.microsoft.com/office/drawing/2014/main" id="{BD2C9F4C-A42B-4F4C-9E12-0A8DC2178D1D}"/>
+              </a:ext>
+            </a:extLst>
+          </p:cNvPr>
+          <p:cNvSpPr/>
+          <p:nvPr/>
+        </p:nvSpPr>
+        <p:spPr>
+          <a:xfrm>
+            <a:off x="8986399" y="6291988"/>
+            <a:ext cx="2325566" cy="2223362"/>
+          </a:xfrm>
+          <a:prstGeom prst="ellipse">
+            <a:avLst/>
+          </a:prstGeom>
+        </p:spPr>
+        <p:style>
+          <a:lnRef idx="2">
+            <a:schemeClr val="accent3"/>
+          </a:lnRef>
+          <a:fillRef idx="1">
+            <a:schemeClr val="lt1"/>
+          </a:fillRef>
+          <a:effectRef idx="0">
+            <a:schemeClr val="accent3"/>
+          </a:effectRef>
+          <a:fontRef idx="minor">
+            <a:schemeClr val="dk1"/>
+          </a:fontRef>
+        </p:style>
+        <p:txBody>
+          <a:bodyPr rtlCol="0" anchor="ctr"/>
+          <a:lstStyle/>
+          <a:p>
+            <a:pPr algn="ctr"/>
+            <a:endParaRPr lang="en-US"/>
           </a:p>
         </p:txBody>
       </p:sp>
@@ -3428,8 +3227,8 @@
         </p:blipFill>
         <p:spPr>
           <a:xfrm>
-            <a:off x="10474330" y="5134708"/>
-            <a:ext cx="1514160" cy="1514160"/>
+            <a:off x="9171916" y="6426403"/>
+            <a:ext cx="1954532" cy="1954532"/>
           </a:xfrm>
           <a:prstGeom prst="rect">
             <a:avLst/>
@@ -3452,7 +3251,7 @@
 <file path=ppt/theme/theme1.xml><?xml version="1.0" encoding="utf-8"?>
 <a:theme xmlns:a="http://schemas.openxmlformats.org/drawingml/2006/main" name="Office Theme">
   <a:themeElements>
-    <a:clrScheme name="Office">
+    <a:clrScheme name="Office Theme">
       <a:dk1>
         <a:sysClr val="windowText" lastClr="000000"/>
       </a:dk1>
@@ -3490,7 +3289,7 @@
         <a:srgbClr val="954F72"/>
       </a:folHlink>
     </a:clrScheme>
-    <a:fontScheme name="Office">
+    <a:fontScheme name="Office Theme">
       <a:majorFont>
         <a:latin typeface="Calibri Light" panose="020F0302020204030204"/>
         <a:ea typeface=""/>
@@ -3525,23 +3324,6 @@
         <a:font script="Viet" typeface="Times New Roman"/>
         <a:font script="Uigh" typeface="Microsoft Uighur"/>
         <a:font script="Geor" typeface="Sylfaen"/>
-        <a:font script="Armn" typeface="Arial"/>
-        <a:font script="Bugi" typeface="Leelawadee UI"/>
-        <a:font script="Bopo" typeface="Microsoft JhengHei"/>
-        <a:font script="Java" typeface="Javanese Text"/>
-        <a:font script="Lisu" typeface="Segoe UI"/>
-        <a:font script="Mymr" typeface="Myanmar Text"/>
-        <a:font script="Nkoo" typeface="Ebrima"/>
-        <a:font script="Olck" typeface="Nirmala UI"/>
-        <a:font script="Osma" typeface="Ebrima"/>
-        <a:font script="Phag" typeface="Phagspa"/>
-        <a:font script="Syrn" typeface="Estrangelo Edessa"/>
-        <a:font script="Syrj" typeface="Estrangelo Edessa"/>
-        <a:font script="Syre" typeface="Estrangelo Edessa"/>
-        <a:font script="Sora" typeface="Nirmala UI"/>
-        <a:font script="Tale" typeface="Microsoft Tai Le"/>
-        <a:font script="Talu" typeface="Microsoft New Tai Lue"/>
-        <a:font script="Tfng" typeface="Ebrima"/>
       </a:majorFont>
       <a:minorFont>
         <a:latin typeface="Calibri" panose="020F0502020204030204"/>
@@ -3577,26 +3359,9 @@
         <a:font script="Viet" typeface="Arial"/>
         <a:font script="Uigh" typeface="Microsoft Uighur"/>
         <a:font script="Geor" typeface="Sylfaen"/>
-        <a:font script="Armn" typeface="Arial"/>
-        <a:font script="Bugi" typeface="Leelawadee UI"/>
-        <a:font script="Bopo" typeface="Microsoft JhengHei"/>
-        <a:font script="Java" typeface="Javanese Text"/>
-        <a:font script="Lisu" typeface="Segoe UI"/>
-        <a:font script="Mymr" typeface="Myanmar Text"/>
-        <a:font script="Nkoo" typeface="Ebrima"/>
-        <a:font script="Olck" typeface="Nirmala UI"/>
-        <a:font script="Osma" typeface="Ebrima"/>
-        <a:font script="Phag" typeface="Phagspa"/>
-        <a:font script="Syrn" typeface="Estrangelo Edessa"/>
-        <a:font script="Syrj" typeface="Estrangelo Edessa"/>
-        <a:font script="Syre" typeface="Estrangelo Edessa"/>
-        <a:font script="Sora" typeface="Nirmala UI"/>
-        <a:font script="Tale" typeface="Microsoft Tai Le"/>
-        <a:font script="Talu" typeface="Microsoft New Tai Lue"/>
-        <a:font script="Tfng" typeface="Ebrima"/>
       </a:minorFont>
     </a:fontScheme>
-    <a:fmtScheme name="Office">
+    <a:fmtScheme name="Office Theme">
       <a:fillStyleLst>
         <a:solidFill>
           <a:schemeClr val="phClr"/>
